--- a/DocumentAndDatabase/WORKSHOP/ppt.pptx
+++ b/DocumentAndDatabase/WORKSHOP/ppt.pptx
@@ -19,12 +19,12 @@
     <p:sldId id="267" r:id="rId10"/>
     <p:sldId id="268" r:id="rId11"/>
     <p:sldId id="273" r:id="rId12"/>
-    <p:sldId id="257" r:id="rId13"/>
-    <p:sldId id="269" r:id="rId14"/>
-    <p:sldId id="270" r:id="rId15"/>
-    <p:sldId id="271" r:id="rId16"/>
-    <p:sldId id="274" r:id="rId17"/>
-    <p:sldId id="275" r:id="rId18"/>
+    <p:sldId id="269" r:id="rId13"/>
+    <p:sldId id="270" r:id="rId14"/>
+    <p:sldId id="271" r:id="rId15"/>
+    <p:sldId id="274" r:id="rId16"/>
+    <p:sldId id="275" r:id="rId17"/>
+    <p:sldId id="257" r:id="rId18"/>
     <p:sldId id="260" r:id="rId19"/>
   </p:sldIdLst>
   <p:sldSz cx="9144000" cy="5143500" type="screen16x9"/>
@@ -3450,7 +3450,7 @@
           <a:p>
             <a:fld id="{C8D18E60-4300-4729-A0D7-6AB984C3922D}" type="datetimeFigureOut">
               <a:rPr lang="en-US" smtClean="0"/>
-              <a:t>12/9/2022</a:t>
+              <a:t>12/10/2022</a:t>
             </a:fld>
             <a:endParaRPr lang="en-US"/>
           </a:p>
@@ -4024,7 +4024,7 @@
           <a:p>
             <a:fld id="{237C6DE6-261E-436C-8F03-720CE137EF53}" type="datetime1">
               <a:rPr lang="en-US" smtClean="0"/>
-              <a:t>12/9/2022</a:t>
+              <a:t>12/10/2022</a:t>
             </a:fld>
             <a:endParaRPr lang="en-US"/>
           </a:p>
@@ -4277,7 +4277,7 @@
           <a:p>
             <a:fld id="{FA6CB1D0-6D17-401F-9BCC-9DA6DE1B3374}" type="datetime1">
               <a:rPr lang="en-US" smtClean="0"/>
-              <a:t>12/9/2022</a:t>
+              <a:t>12/10/2022</a:t>
             </a:fld>
             <a:endParaRPr lang="en-US"/>
           </a:p>
@@ -4446,7 +4446,7 @@
           <a:p>
             <a:fld id="{CB770E03-B405-497A-8D3C-37C9D18D6E98}" type="datetime1">
               <a:rPr lang="en-US" smtClean="0"/>
-              <a:t>12/9/2022</a:t>
+              <a:t>12/10/2022</a:t>
             </a:fld>
             <a:endParaRPr lang="en-US"/>
           </a:p>
@@ -4625,7 +4625,7 @@
           <a:p>
             <a:fld id="{8FA0D471-8EEE-41F3-90DA-F1411D9D3E06}" type="datetime1">
               <a:rPr lang="en-US" smtClean="0"/>
-              <a:t>12/9/2022</a:t>
+              <a:t>12/10/2022</a:t>
             </a:fld>
             <a:endParaRPr lang="en-US"/>
           </a:p>
@@ -4921,7 +4921,7 @@
           <a:p>
             <a:fld id="{995E2CF3-2A20-4490-9772-4888B0E2B3B1}" type="datetime1">
               <a:rPr lang="en-US" smtClean="0"/>
-              <a:t>12/9/2022</a:t>
+              <a:t>12/10/2022</a:t>
             </a:fld>
             <a:endParaRPr lang="en-US"/>
           </a:p>
@@ -5168,7 +5168,7 @@
           <a:p>
             <a:fld id="{AE9C8CC7-CADA-4E3E-8EDC-AF9272DA923F}" type="datetime1">
               <a:rPr lang="en-US" smtClean="0"/>
-              <a:t>12/9/2022</a:t>
+              <a:t>12/10/2022</a:t>
             </a:fld>
             <a:endParaRPr lang="en-US"/>
           </a:p>
@@ -5414,7 +5414,7 @@
           <a:p>
             <a:fld id="{6A20F98B-3649-40A4-8882-E722CBDDD6A5}" type="datetime1">
               <a:rPr lang="en-US" smtClean="0"/>
-              <a:t>12/9/2022</a:t>
+              <a:t>12/10/2022</a:t>
             </a:fld>
             <a:endParaRPr lang="en-US"/>
           </a:p>
@@ -5700,7 +5700,7 @@
           <a:p>
             <a:fld id="{07A97CC0-576D-4ABC-8B14-BE28ABBC3B29}" type="datetime1">
               <a:rPr lang="en-US" smtClean="0"/>
-              <a:t>12/9/2022</a:t>
+              <a:t>12/10/2022</a:t>
             </a:fld>
             <a:endParaRPr lang="en-US"/>
           </a:p>
@@ -6186,7 +6186,7 @@
           <a:p>
             <a:fld id="{137DBC1C-1D07-43AA-89B5-3046E210BB3F}" type="datetime1">
               <a:rPr lang="en-US" smtClean="0"/>
-              <a:t>12/9/2022</a:t>
+              <a:t>12/10/2022</a:t>
             </a:fld>
             <a:endParaRPr lang="en-US"/>
           </a:p>
@@ -6304,7 +6304,7 @@
           <a:p>
             <a:fld id="{B6333B74-C6CB-4F18-BA22-0DDD6D66E40C}" type="datetime1">
               <a:rPr lang="en-US" smtClean="0"/>
-              <a:t>12/9/2022</a:t>
+              <a:t>12/10/2022</a:t>
             </a:fld>
             <a:endParaRPr lang="en-US"/>
           </a:p>
@@ -6400,7 +6400,7 @@
           <a:p>
             <a:fld id="{B19BE4D6-B508-47F8-8E6A-850A08175E0D}" type="datetime1">
               <a:rPr lang="en-US" smtClean="0"/>
-              <a:t>12/9/2022</a:t>
+              <a:t>12/10/2022</a:t>
             </a:fld>
             <a:endParaRPr lang="en-US"/>
           </a:p>
@@ -6676,7 +6676,7 @@
           <a:p>
             <a:fld id="{75D44077-D875-445C-A69C-9B907B4598B9}" type="datetime1">
               <a:rPr lang="en-US" smtClean="0"/>
-              <a:t>12/9/2022</a:t>
+              <a:t>12/10/2022</a:t>
             </a:fld>
             <a:endParaRPr lang="en-US"/>
           </a:p>
@@ -6897,7 +6897,7 @@
           <a:p>
             <a:fld id="{16B14066-A095-439A-865C-1F2383C6980D}" type="datetime1">
               <a:rPr lang="en-US" smtClean="0"/>
-              <a:t>12/9/2022</a:t>
+              <a:t>12/10/2022</a:t>
             </a:fld>
             <a:endParaRPr lang="en-US"/>
           </a:p>
@@ -8638,6 +8638,36 @@
           </a:p>
         </p:txBody>
       </p:sp>
+      <p:pic>
+        <p:nvPicPr>
+          <p:cNvPr id="3" name="Picture 2">
+            <a:extLst>
+              <a:ext uri="{FF2B5EF4-FFF2-40B4-BE49-F238E27FC236}">
+                <a16:creationId xmlns:a16="http://schemas.microsoft.com/office/drawing/2014/main" id="{04FE897E-63A5-8748-210D-EEDC78189F83}"/>
+              </a:ext>
+            </a:extLst>
+          </p:cNvPr>
+          <p:cNvPicPr>
+            <a:picLocks noChangeAspect="1"/>
+          </p:cNvPicPr>
+          <p:nvPr/>
+        </p:nvPicPr>
+        <p:blipFill>
+          <a:blip r:embed="rId3"/>
+          <a:stretch>
+            <a:fillRect/>
+          </a:stretch>
+        </p:blipFill>
+        <p:spPr>
+          <a:xfrm>
+            <a:off x="754375" y="306650"/>
+            <a:ext cx="6891103" cy="4530199"/>
+          </a:xfrm>
+          <a:prstGeom prst="rect">
+            <a:avLst/>
+          </a:prstGeom>
+        </p:spPr>
+      </p:pic>
     </p:spTree>
     <p:extLst>
       <p:ext uri="{BB962C8B-B14F-4D97-AF65-F5344CB8AC3E}">
@@ -8652,6 +8682,987 @@
 </file>
 
 <file path=ppt/slides/slide12.xml><?xml version="1.0" encoding="utf-8"?>
+<p:sld xmlns:a="http://schemas.openxmlformats.org/drawingml/2006/main" xmlns:r="http://schemas.openxmlformats.org/officeDocument/2006/relationships" xmlns:p="http://schemas.openxmlformats.org/presentationml/2006/main">
+  <p:cSld>
+    <p:spTree>
+      <p:nvGrpSpPr>
+        <p:cNvPr id="1" name=""/>
+        <p:cNvGrpSpPr/>
+        <p:nvPr/>
+      </p:nvGrpSpPr>
+      <p:grpSpPr>
+        <a:xfrm>
+          <a:off x="0" y="0"/>
+          <a:ext cx="0" cy="0"/>
+          <a:chOff x="0" y="0"/>
+          <a:chExt cx="0" cy="0"/>
+        </a:xfrm>
+      </p:grpSpPr>
+      <p:pic>
+        <p:nvPicPr>
+          <p:cNvPr id="6" name="Picture 5">
+            <a:extLst>
+              <a:ext uri="{FF2B5EF4-FFF2-40B4-BE49-F238E27FC236}">
+                <a16:creationId xmlns:a16="http://schemas.microsoft.com/office/drawing/2014/main" id="{50D247B8-046E-41B9-A491-CE6EF44B85DA}"/>
+              </a:ext>
+            </a:extLst>
+          </p:cNvPr>
+          <p:cNvPicPr>
+            <a:picLocks noChangeAspect="1"/>
+          </p:cNvPicPr>
+          <p:nvPr/>
+        </p:nvPicPr>
+        <p:blipFill>
+          <a:blip r:embed="rId2" cstate="print">
+            <a:extLst>
+              <a:ext uri="{28A0092B-C50C-407E-A947-70E740481C1C}">
+                <a14:useLocalDpi xmlns:a14="http://schemas.microsoft.com/office/drawing/2010/main" val="0"/>
+              </a:ext>
+            </a:extLst>
+          </a:blip>
+          <a:stretch>
+            <a:fillRect/>
+          </a:stretch>
+        </p:blipFill>
+        <p:spPr>
+          <a:xfrm>
+            <a:off x="0" y="0"/>
+            <a:ext cx="2013575" cy="763525"/>
+          </a:xfrm>
+          <a:prstGeom prst="rect">
+            <a:avLst/>
+          </a:prstGeom>
+        </p:spPr>
+      </p:pic>
+      <p:sp>
+        <p:nvSpPr>
+          <p:cNvPr id="7" name="Title 1">
+            <a:extLst>
+              <a:ext uri="{FF2B5EF4-FFF2-40B4-BE49-F238E27FC236}">
+                <a16:creationId xmlns:a16="http://schemas.microsoft.com/office/drawing/2014/main" id="{43D41601-5AE4-4988-B22E-1065D33D181E}"/>
+              </a:ext>
+            </a:extLst>
+          </p:cNvPr>
+          <p:cNvSpPr txBox="1">
+            <a:spLocks/>
+          </p:cNvSpPr>
+          <p:nvPr/>
+        </p:nvSpPr>
+        <p:spPr>
+          <a:xfrm>
+            <a:off x="5820764" y="0"/>
+            <a:ext cx="3323236" cy="763525"/>
+          </a:xfrm>
+          <a:prstGeom prst="rect">
+            <a:avLst/>
+          </a:prstGeom>
+          <a:noFill/>
+        </p:spPr>
+        <p:txBody>
+          <a:bodyPr vert="horz" lIns="91440" tIns="45720" rIns="91440" bIns="45720" rtlCol="0" anchor="ctr">
+            <a:normAutofit/>
+          </a:bodyPr>
+          <a:lstStyle>
+            <a:lvl1pPr algn="l" defTabSz="914400" rtl="0" eaLnBrk="1" latinLnBrk="0" hangingPunct="1">
+              <a:spcBef>
+                <a:spcPct val="0"/>
+              </a:spcBef>
+              <a:buNone/>
+              <a:defRPr sz="3600" kern="1200">
+                <a:solidFill>
+                  <a:srgbClr val="FF2D96"/>
+                </a:solidFill>
+                <a:effectLst>
+                  <a:outerShdw blurRad="50800" dist="38100" dir="2700000" algn="tl" rotWithShape="0">
+                    <a:prstClr val="black">
+                      <a:alpha val="40000"/>
+                    </a:prstClr>
+                  </a:outerShdw>
+                </a:effectLst>
+                <a:latin typeface="+mj-lt"/>
+                <a:ea typeface="+mj-ea"/>
+                <a:cs typeface="+mj-cs"/>
+              </a:defRPr>
+            </a:lvl1pPr>
+          </a:lstStyle>
+          <a:p>
+            <a:pPr algn="r"/>
+            <a:r>
+              <a:rPr lang="vi-VN" sz="1800" b="1" dirty="0">
+                <a:solidFill>
+                  <a:schemeClr val="accent6">
+                    <a:lumMod val="75000"/>
+                  </a:schemeClr>
+                </a:solidFill>
+                <a:effectLst/>
+                <a:latin typeface="Arial" panose="020B0604020202020204" pitchFamily="34" charset="0"/>
+                <a:cs typeface="Arial" panose="020B0604020202020204" pitchFamily="34" charset="0"/>
+              </a:rPr>
+              <a:t>SƠ ĐỒ LỚP</a:t>
+            </a:r>
+            <a:endParaRPr lang="en-US" sz="1800" b="1" dirty="0">
+              <a:solidFill>
+                <a:schemeClr val="accent6">
+                  <a:lumMod val="75000"/>
+                </a:schemeClr>
+              </a:solidFill>
+              <a:effectLst/>
+              <a:latin typeface="Arial" panose="020B0604020202020204" pitchFamily="34" charset="0"/>
+              <a:cs typeface="Arial" panose="020B0604020202020204" pitchFamily="34" charset="0"/>
+            </a:endParaRPr>
+          </a:p>
+        </p:txBody>
+      </p:sp>
+      <p:pic>
+        <p:nvPicPr>
+          <p:cNvPr id="5" name="Picture 4" descr="Diagram, schematic&#10;&#10;Description automatically generated">
+            <a:extLst>
+              <a:ext uri="{FF2B5EF4-FFF2-40B4-BE49-F238E27FC236}">
+                <a16:creationId xmlns:a16="http://schemas.microsoft.com/office/drawing/2014/main" id="{9CAF1320-FF0F-4E07-87C9-72F966B3F8B1}"/>
+              </a:ext>
+            </a:extLst>
+          </p:cNvPr>
+          <p:cNvPicPr/>
+          <p:nvPr/>
+        </p:nvPicPr>
+        <p:blipFill>
+          <a:blip r:embed="rId3" cstate="print">
+            <a:extLst>
+              <a:ext uri="{28A0092B-C50C-407E-A947-70E740481C1C}">
+                <a14:useLocalDpi xmlns:a14="http://schemas.microsoft.com/office/drawing/2010/main" val="0"/>
+              </a:ext>
+            </a:extLst>
+          </a:blip>
+          <a:stretch>
+            <a:fillRect/>
+          </a:stretch>
+        </p:blipFill>
+        <p:spPr>
+          <a:xfrm>
+            <a:off x="1212490" y="763525"/>
+            <a:ext cx="5059828" cy="4251506"/>
+          </a:xfrm>
+          <a:prstGeom prst="rect">
+            <a:avLst/>
+          </a:prstGeom>
+        </p:spPr>
+      </p:pic>
+    </p:spTree>
+    <p:extLst>
+      <p:ext uri="{BB962C8B-B14F-4D97-AF65-F5344CB8AC3E}">
+        <p14:creationId xmlns:p14="http://schemas.microsoft.com/office/powerpoint/2010/main" val="3806362090"/>
+      </p:ext>
+    </p:extLst>
+  </p:cSld>
+  <p:clrMapOvr>
+    <a:masterClrMapping/>
+  </p:clrMapOvr>
+</p:sld>
+</file>
+
+<file path=ppt/slides/slide13.xml><?xml version="1.0" encoding="utf-8"?>
+<p:sld xmlns:a="http://schemas.openxmlformats.org/drawingml/2006/main" xmlns:r="http://schemas.openxmlformats.org/officeDocument/2006/relationships" xmlns:p="http://schemas.openxmlformats.org/presentationml/2006/main">
+  <p:cSld>
+    <p:spTree>
+      <p:nvGrpSpPr>
+        <p:cNvPr id="1" name=""/>
+        <p:cNvGrpSpPr/>
+        <p:nvPr/>
+      </p:nvGrpSpPr>
+      <p:grpSpPr>
+        <a:xfrm>
+          <a:off x="0" y="0"/>
+          <a:ext cx="0" cy="0"/>
+          <a:chOff x="0" y="0"/>
+          <a:chExt cx="0" cy="0"/>
+        </a:xfrm>
+      </p:grpSpPr>
+      <p:pic>
+        <p:nvPicPr>
+          <p:cNvPr id="6" name="Picture 5">
+            <a:extLst>
+              <a:ext uri="{FF2B5EF4-FFF2-40B4-BE49-F238E27FC236}">
+                <a16:creationId xmlns:a16="http://schemas.microsoft.com/office/drawing/2014/main" id="{50D247B8-046E-41B9-A491-CE6EF44B85DA}"/>
+              </a:ext>
+            </a:extLst>
+          </p:cNvPr>
+          <p:cNvPicPr>
+            <a:picLocks noChangeAspect="1"/>
+          </p:cNvPicPr>
+          <p:nvPr/>
+        </p:nvPicPr>
+        <p:blipFill>
+          <a:blip r:embed="rId2" cstate="print">
+            <a:extLst>
+              <a:ext uri="{28A0092B-C50C-407E-A947-70E740481C1C}">
+                <a14:useLocalDpi xmlns:a14="http://schemas.microsoft.com/office/drawing/2010/main" val="0"/>
+              </a:ext>
+            </a:extLst>
+          </a:blip>
+          <a:stretch>
+            <a:fillRect/>
+          </a:stretch>
+        </p:blipFill>
+        <p:spPr>
+          <a:xfrm>
+            <a:off x="0" y="0"/>
+            <a:ext cx="2013575" cy="763525"/>
+          </a:xfrm>
+          <a:prstGeom prst="rect">
+            <a:avLst/>
+          </a:prstGeom>
+        </p:spPr>
+      </p:pic>
+      <p:sp>
+        <p:nvSpPr>
+          <p:cNvPr id="7" name="Title 1">
+            <a:extLst>
+              <a:ext uri="{FF2B5EF4-FFF2-40B4-BE49-F238E27FC236}">
+                <a16:creationId xmlns:a16="http://schemas.microsoft.com/office/drawing/2014/main" id="{43D41601-5AE4-4988-B22E-1065D33D181E}"/>
+              </a:ext>
+            </a:extLst>
+          </p:cNvPr>
+          <p:cNvSpPr txBox="1">
+            <a:spLocks/>
+          </p:cNvSpPr>
+          <p:nvPr/>
+        </p:nvSpPr>
+        <p:spPr>
+          <a:xfrm>
+            <a:off x="5820764" y="0"/>
+            <a:ext cx="3323236" cy="763525"/>
+          </a:xfrm>
+          <a:prstGeom prst="rect">
+            <a:avLst/>
+          </a:prstGeom>
+          <a:noFill/>
+        </p:spPr>
+        <p:txBody>
+          <a:bodyPr vert="horz" lIns="91440" tIns="45720" rIns="91440" bIns="45720" rtlCol="0" anchor="ctr">
+            <a:normAutofit/>
+          </a:bodyPr>
+          <a:lstStyle>
+            <a:lvl1pPr algn="l" defTabSz="914400" rtl="0" eaLnBrk="1" latinLnBrk="0" hangingPunct="1">
+              <a:spcBef>
+                <a:spcPct val="0"/>
+              </a:spcBef>
+              <a:buNone/>
+              <a:defRPr sz="3600" kern="1200">
+                <a:solidFill>
+                  <a:srgbClr val="FF2D96"/>
+                </a:solidFill>
+                <a:effectLst>
+                  <a:outerShdw blurRad="50800" dist="38100" dir="2700000" algn="tl" rotWithShape="0">
+                    <a:prstClr val="black">
+                      <a:alpha val="40000"/>
+                    </a:prstClr>
+                  </a:outerShdw>
+                </a:effectLst>
+                <a:latin typeface="+mj-lt"/>
+                <a:ea typeface="+mj-ea"/>
+                <a:cs typeface="+mj-cs"/>
+              </a:defRPr>
+            </a:lvl1pPr>
+          </a:lstStyle>
+          <a:p>
+            <a:pPr algn="r"/>
+            <a:r>
+              <a:rPr lang="vi-VN" sz="1800" b="1" dirty="0">
+                <a:solidFill>
+                  <a:schemeClr val="accent6">
+                    <a:lumMod val="75000"/>
+                  </a:schemeClr>
+                </a:solidFill>
+                <a:effectLst/>
+                <a:latin typeface="Arial" panose="020B0604020202020204" pitchFamily="34" charset="0"/>
+                <a:cs typeface="Arial" panose="020B0604020202020204" pitchFamily="34" charset="0"/>
+              </a:rPr>
+              <a:t>SƠ ĐỒ CÔNG NGHỆ</a:t>
+            </a:r>
+            <a:endParaRPr lang="en-US" sz="1800" b="1" dirty="0">
+              <a:solidFill>
+                <a:schemeClr val="accent6">
+                  <a:lumMod val="75000"/>
+                </a:schemeClr>
+              </a:solidFill>
+              <a:effectLst/>
+              <a:latin typeface="Arial" panose="020B0604020202020204" pitchFamily="34" charset="0"/>
+              <a:cs typeface="Arial" panose="020B0604020202020204" pitchFamily="34" charset="0"/>
+            </a:endParaRPr>
+          </a:p>
+        </p:txBody>
+      </p:sp>
+      <p:pic>
+        <p:nvPicPr>
+          <p:cNvPr id="8" name="Picture 7" descr="Diagram&#10;&#10;Description automatically generated">
+            <a:extLst>
+              <a:ext uri="{FF2B5EF4-FFF2-40B4-BE49-F238E27FC236}">
+                <a16:creationId xmlns:a16="http://schemas.microsoft.com/office/drawing/2014/main" id="{210CA31B-FF3F-4C54-9260-DAF4E5C215A0}"/>
+              </a:ext>
+            </a:extLst>
+          </p:cNvPr>
+          <p:cNvPicPr/>
+          <p:nvPr/>
+        </p:nvPicPr>
+        <p:blipFill>
+          <a:blip r:embed="rId3"/>
+          <a:stretch>
+            <a:fillRect/>
+          </a:stretch>
+        </p:blipFill>
+        <p:spPr>
+          <a:xfrm>
+            <a:off x="296260" y="1655520"/>
+            <a:ext cx="6286500" cy="2046605"/>
+          </a:xfrm>
+          <a:prstGeom prst="rect">
+            <a:avLst/>
+          </a:prstGeom>
+        </p:spPr>
+      </p:pic>
+    </p:spTree>
+    <p:extLst>
+      <p:ext uri="{BB962C8B-B14F-4D97-AF65-F5344CB8AC3E}">
+        <p14:creationId xmlns:p14="http://schemas.microsoft.com/office/powerpoint/2010/main" val="2984561961"/>
+      </p:ext>
+    </p:extLst>
+  </p:cSld>
+  <p:clrMapOvr>
+    <a:masterClrMapping/>
+  </p:clrMapOvr>
+</p:sld>
+</file>
+
+<file path=ppt/slides/slide14.xml><?xml version="1.0" encoding="utf-8"?>
+<p:sld xmlns:a="http://schemas.openxmlformats.org/drawingml/2006/main" xmlns:r="http://schemas.openxmlformats.org/officeDocument/2006/relationships" xmlns:p="http://schemas.openxmlformats.org/presentationml/2006/main">
+  <p:cSld>
+    <p:spTree>
+      <p:nvGrpSpPr>
+        <p:cNvPr id="1" name=""/>
+        <p:cNvGrpSpPr/>
+        <p:nvPr/>
+      </p:nvGrpSpPr>
+      <p:grpSpPr>
+        <a:xfrm>
+          <a:off x="0" y="0"/>
+          <a:ext cx="0" cy="0"/>
+          <a:chOff x="0" y="0"/>
+          <a:chExt cx="0" cy="0"/>
+        </a:xfrm>
+      </p:grpSpPr>
+      <p:pic>
+        <p:nvPicPr>
+          <p:cNvPr id="6" name="Picture 5">
+            <a:extLst>
+              <a:ext uri="{FF2B5EF4-FFF2-40B4-BE49-F238E27FC236}">
+                <a16:creationId xmlns:a16="http://schemas.microsoft.com/office/drawing/2014/main" id="{50D247B8-046E-41B9-A491-CE6EF44B85DA}"/>
+              </a:ext>
+            </a:extLst>
+          </p:cNvPr>
+          <p:cNvPicPr>
+            <a:picLocks noChangeAspect="1"/>
+          </p:cNvPicPr>
+          <p:nvPr/>
+        </p:nvPicPr>
+        <p:blipFill>
+          <a:blip r:embed="rId2" cstate="print">
+            <a:extLst>
+              <a:ext uri="{28A0092B-C50C-407E-A947-70E740481C1C}">
+                <a14:useLocalDpi xmlns:a14="http://schemas.microsoft.com/office/drawing/2010/main" val="0"/>
+              </a:ext>
+            </a:extLst>
+          </a:blip>
+          <a:stretch>
+            <a:fillRect/>
+          </a:stretch>
+        </p:blipFill>
+        <p:spPr>
+          <a:xfrm>
+            <a:off x="0" y="0"/>
+            <a:ext cx="2013575" cy="763525"/>
+          </a:xfrm>
+          <a:prstGeom prst="rect">
+            <a:avLst/>
+          </a:prstGeom>
+        </p:spPr>
+      </p:pic>
+      <p:sp>
+        <p:nvSpPr>
+          <p:cNvPr id="7" name="Title 1">
+            <a:extLst>
+              <a:ext uri="{FF2B5EF4-FFF2-40B4-BE49-F238E27FC236}">
+                <a16:creationId xmlns:a16="http://schemas.microsoft.com/office/drawing/2014/main" id="{43D41601-5AE4-4988-B22E-1065D33D181E}"/>
+              </a:ext>
+            </a:extLst>
+          </p:cNvPr>
+          <p:cNvSpPr txBox="1">
+            <a:spLocks/>
+          </p:cNvSpPr>
+          <p:nvPr/>
+        </p:nvSpPr>
+        <p:spPr>
+          <a:xfrm>
+            <a:off x="5820764" y="0"/>
+            <a:ext cx="3323236" cy="763525"/>
+          </a:xfrm>
+          <a:prstGeom prst="rect">
+            <a:avLst/>
+          </a:prstGeom>
+          <a:noFill/>
+        </p:spPr>
+        <p:txBody>
+          <a:bodyPr vert="horz" lIns="91440" tIns="45720" rIns="91440" bIns="45720" rtlCol="0" anchor="ctr">
+            <a:normAutofit/>
+          </a:bodyPr>
+          <a:lstStyle>
+            <a:lvl1pPr algn="l" defTabSz="914400" rtl="0" eaLnBrk="1" latinLnBrk="0" hangingPunct="1">
+              <a:spcBef>
+                <a:spcPct val="0"/>
+              </a:spcBef>
+              <a:buNone/>
+              <a:defRPr sz="3600" kern="1200">
+                <a:solidFill>
+                  <a:srgbClr val="FF2D96"/>
+                </a:solidFill>
+                <a:effectLst>
+                  <a:outerShdw blurRad="50800" dist="38100" dir="2700000" algn="tl" rotWithShape="0">
+                    <a:prstClr val="black">
+                      <a:alpha val="40000"/>
+                    </a:prstClr>
+                  </a:outerShdw>
+                </a:effectLst>
+                <a:latin typeface="+mj-lt"/>
+                <a:ea typeface="+mj-ea"/>
+                <a:cs typeface="+mj-cs"/>
+              </a:defRPr>
+            </a:lvl1pPr>
+          </a:lstStyle>
+          <a:p>
+            <a:pPr algn="r"/>
+            <a:r>
+              <a:rPr lang="vi-VN" sz="1800" b="1" dirty="0">
+                <a:solidFill>
+                  <a:schemeClr val="accent6">
+                    <a:lumMod val="75000"/>
+                  </a:schemeClr>
+                </a:solidFill>
+                <a:effectLst/>
+                <a:latin typeface="Arial" panose="020B0604020202020204" pitchFamily="34" charset="0"/>
+                <a:cs typeface="Arial" panose="020B0604020202020204" pitchFamily="34" charset="0"/>
+              </a:rPr>
+              <a:t>SƠ ĐỒ TỔ CHỨC GIAO DIỆN</a:t>
+            </a:r>
+            <a:endParaRPr lang="en-US" sz="1800" b="1" dirty="0">
+              <a:solidFill>
+                <a:schemeClr val="accent6">
+                  <a:lumMod val="75000"/>
+                </a:schemeClr>
+              </a:solidFill>
+              <a:effectLst/>
+              <a:latin typeface="Arial" panose="020B0604020202020204" pitchFamily="34" charset="0"/>
+              <a:cs typeface="Arial" panose="020B0604020202020204" pitchFamily="34" charset="0"/>
+            </a:endParaRPr>
+          </a:p>
+        </p:txBody>
+      </p:sp>
+      <p:pic>
+        <p:nvPicPr>
+          <p:cNvPr id="5" name="Picture 4" descr="Diagram&#10;&#10;Description automatically generated">
+            <a:extLst>
+              <a:ext uri="{FF2B5EF4-FFF2-40B4-BE49-F238E27FC236}">
+                <a16:creationId xmlns:a16="http://schemas.microsoft.com/office/drawing/2014/main" id="{6B6A0ACA-CD73-4C04-96A4-2F02141976BD}"/>
+              </a:ext>
+            </a:extLst>
+          </p:cNvPr>
+          <p:cNvPicPr/>
+          <p:nvPr/>
+        </p:nvPicPr>
+        <p:blipFill>
+          <a:blip r:embed="rId3">
+            <a:extLst>
+              <a:ext uri="{28A0092B-C50C-407E-A947-70E740481C1C}">
+                <a14:useLocalDpi xmlns:a14="http://schemas.microsoft.com/office/drawing/2010/main" val="0"/>
+              </a:ext>
+            </a:extLst>
+          </a:blip>
+          <a:stretch>
+            <a:fillRect/>
+          </a:stretch>
+        </p:blipFill>
+        <p:spPr>
+          <a:xfrm>
+            <a:off x="1006787" y="891995"/>
+            <a:ext cx="5191970" cy="4108495"/>
+          </a:xfrm>
+          <a:prstGeom prst="rect">
+            <a:avLst/>
+          </a:prstGeom>
+        </p:spPr>
+      </p:pic>
+    </p:spTree>
+    <p:extLst>
+      <p:ext uri="{BB962C8B-B14F-4D97-AF65-F5344CB8AC3E}">
+        <p14:creationId xmlns:p14="http://schemas.microsoft.com/office/powerpoint/2010/main" val="3700173040"/>
+      </p:ext>
+    </p:extLst>
+  </p:cSld>
+  <p:clrMapOvr>
+    <a:masterClrMapping/>
+  </p:clrMapOvr>
+</p:sld>
+</file>
+
+<file path=ppt/slides/slide15.xml><?xml version="1.0" encoding="utf-8"?>
+<p:sld xmlns:a="http://schemas.openxmlformats.org/drawingml/2006/main" xmlns:r="http://schemas.openxmlformats.org/officeDocument/2006/relationships" xmlns:p="http://schemas.openxmlformats.org/presentationml/2006/main">
+  <p:cSld>
+    <p:spTree>
+      <p:nvGrpSpPr>
+        <p:cNvPr id="1" name=""/>
+        <p:cNvGrpSpPr/>
+        <p:nvPr/>
+      </p:nvGrpSpPr>
+      <p:grpSpPr>
+        <a:xfrm>
+          <a:off x="0" y="0"/>
+          <a:ext cx="0" cy="0"/>
+          <a:chOff x="0" y="0"/>
+          <a:chExt cx="0" cy="0"/>
+        </a:xfrm>
+      </p:grpSpPr>
+      <p:pic>
+        <p:nvPicPr>
+          <p:cNvPr id="6" name="Picture 5">
+            <a:extLst>
+              <a:ext uri="{FF2B5EF4-FFF2-40B4-BE49-F238E27FC236}">
+                <a16:creationId xmlns:a16="http://schemas.microsoft.com/office/drawing/2014/main" id="{50D247B8-046E-41B9-A491-CE6EF44B85DA}"/>
+              </a:ext>
+            </a:extLst>
+          </p:cNvPr>
+          <p:cNvPicPr>
+            <a:picLocks noChangeAspect="1"/>
+          </p:cNvPicPr>
+          <p:nvPr/>
+        </p:nvPicPr>
+        <p:blipFill>
+          <a:blip r:embed="rId2" cstate="print">
+            <a:extLst>
+              <a:ext uri="{28A0092B-C50C-407E-A947-70E740481C1C}">
+                <a14:useLocalDpi xmlns:a14="http://schemas.microsoft.com/office/drawing/2010/main" val="0"/>
+              </a:ext>
+            </a:extLst>
+          </a:blip>
+          <a:stretch>
+            <a:fillRect/>
+          </a:stretch>
+        </p:blipFill>
+        <p:spPr>
+          <a:xfrm>
+            <a:off x="0" y="0"/>
+            <a:ext cx="2013575" cy="763525"/>
+          </a:xfrm>
+          <a:prstGeom prst="rect">
+            <a:avLst/>
+          </a:prstGeom>
+        </p:spPr>
+      </p:pic>
+      <p:sp>
+        <p:nvSpPr>
+          <p:cNvPr id="7" name="Title 1">
+            <a:extLst>
+              <a:ext uri="{FF2B5EF4-FFF2-40B4-BE49-F238E27FC236}">
+                <a16:creationId xmlns:a16="http://schemas.microsoft.com/office/drawing/2014/main" id="{43D41601-5AE4-4988-B22E-1065D33D181E}"/>
+              </a:ext>
+            </a:extLst>
+          </p:cNvPr>
+          <p:cNvSpPr txBox="1">
+            <a:spLocks/>
+          </p:cNvSpPr>
+          <p:nvPr/>
+        </p:nvSpPr>
+        <p:spPr>
+          <a:xfrm>
+            <a:off x="5820764" y="0"/>
+            <a:ext cx="3323236" cy="763525"/>
+          </a:xfrm>
+          <a:prstGeom prst="rect">
+            <a:avLst/>
+          </a:prstGeom>
+          <a:noFill/>
+        </p:spPr>
+        <p:txBody>
+          <a:bodyPr vert="horz" lIns="91440" tIns="45720" rIns="91440" bIns="45720" rtlCol="0" anchor="ctr">
+            <a:normAutofit/>
+          </a:bodyPr>
+          <a:lstStyle>
+            <a:lvl1pPr algn="l" defTabSz="914400" rtl="0" eaLnBrk="1" latinLnBrk="0" hangingPunct="1">
+              <a:spcBef>
+                <a:spcPct val="0"/>
+              </a:spcBef>
+              <a:buNone/>
+              <a:defRPr sz="3600" kern="1200">
+                <a:solidFill>
+                  <a:srgbClr val="FF2D96"/>
+                </a:solidFill>
+                <a:effectLst>
+                  <a:outerShdw blurRad="50800" dist="38100" dir="2700000" algn="tl" rotWithShape="0">
+                    <a:prstClr val="black">
+                      <a:alpha val="40000"/>
+                    </a:prstClr>
+                  </a:outerShdw>
+                </a:effectLst>
+                <a:latin typeface="+mj-lt"/>
+                <a:ea typeface="+mj-ea"/>
+                <a:cs typeface="+mj-cs"/>
+              </a:defRPr>
+            </a:lvl1pPr>
+          </a:lstStyle>
+          <a:p>
+            <a:pPr algn="r"/>
+            <a:r>
+              <a:rPr lang="vi-VN" sz="1800" b="1" dirty="0">
+                <a:solidFill>
+                  <a:schemeClr val="accent6">
+                    <a:lumMod val="75000"/>
+                  </a:schemeClr>
+                </a:solidFill>
+                <a:effectLst/>
+                <a:latin typeface="Arial" panose="020B0604020202020204" pitchFamily="34" charset="0"/>
+                <a:cs typeface="Arial" panose="020B0604020202020204" pitchFamily="34" charset="0"/>
+              </a:rPr>
+              <a:t>PHÂN CÔNG DEMO</a:t>
+            </a:r>
+            <a:endParaRPr lang="en-US" sz="1800" b="1" dirty="0">
+              <a:solidFill>
+                <a:schemeClr val="accent6">
+                  <a:lumMod val="75000"/>
+                </a:schemeClr>
+              </a:solidFill>
+              <a:effectLst/>
+              <a:latin typeface="Arial" panose="020B0604020202020204" pitchFamily="34" charset="0"/>
+              <a:cs typeface="Arial" panose="020B0604020202020204" pitchFamily="34" charset="0"/>
+            </a:endParaRPr>
+          </a:p>
+        </p:txBody>
+      </p:sp>
+    </p:spTree>
+    <p:extLst>
+      <p:ext uri="{BB962C8B-B14F-4D97-AF65-F5344CB8AC3E}">
+        <p14:creationId xmlns:p14="http://schemas.microsoft.com/office/powerpoint/2010/main" val="1368856845"/>
+      </p:ext>
+    </p:extLst>
+  </p:cSld>
+  <p:clrMapOvr>
+    <a:masterClrMapping/>
+  </p:clrMapOvr>
+</p:sld>
+</file>
+
+<file path=ppt/slides/slide16.xml><?xml version="1.0" encoding="utf-8"?>
+<p:sld xmlns:a="http://schemas.openxmlformats.org/drawingml/2006/main" xmlns:r="http://schemas.openxmlformats.org/officeDocument/2006/relationships" xmlns:p="http://schemas.openxmlformats.org/presentationml/2006/main">
+  <p:cSld>
+    <p:spTree>
+      <p:nvGrpSpPr>
+        <p:cNvPr id="1" name=""/>
+        <p:cNvGrpSpPr/>
+        <p:nvPr/>
+      </p:nvGrpSpPr>
+      <p:grpSpPr>
+        <a:xfrm>
+          <a:off x="0" y="0"/>
+          <a:ext cx="0" cy="0"/>
+          <a:chOff x="0" y="0"/>
+          <a:chExt cx="0" cy="0"/>
+        </a:xfrm>
+      </p:grpSpPr>
+      <p:pic>
+        <p:nvPicPr>
+          <p:cNvPr id="6" name="Picture 5">
+            <a:extLst>
+              <a:ext uri="{FF2B5EF4-FFF2-40B4-BE49-F238E27FC236}">
+                <a16:creationId xmlns:a16="http://schemas.microsoft.com/office/drawing/2014/main" id="{50D247B8-046E-41B9-A491-CE6EF44B85DA}"/>
+              </a:ext>
+            </a:extLst>
+          </p:cNvPr>
+          <p:cNvPicPr>
+            <a:picLocks noChangeAspect="1"/>
+          </p:cNvPicPr>
+          <p:nvPr/>
+        </p:nvPicPr>
+        <p:blipFill>
+          <a:blip r:embed="rId2" cstate="print">
+            <a:extLst>
+              <a:ext uri="{28A0092B-C50C-407E-A947-70E740481C1C}">
+                <a14:useLocalDpi xmlns:a14="http://schemas.microsoft.com/office/drawing/2010/main" val="0"/>
+              </a:ext>
+            </a:extLst>
+          </a:blip>
+          <a:stretch>
+            <a:fillRect/>
+          </a:stretch>
+        </p:blipFill>
+        <p:spPr>
+          <a:xfrm>
+            <a:off x="0" y="0"/>
+            <a:ext cx="2013575" cy="763525"/>
+          </a:xfrm>
+          <a:prstGeom prst="rect">
+            <a:avLst/>
+          </a:prstGeom>
+        </p:spPr>
+      </p:pic>
+      <p:sp>
+        <p:nvSpPr>
+          <p:cNvPr id="7" name="Title 1">
+            <a:extLst>
+              <a:ext uri="{FF2B5EF4-FFF2-40B4-BE49-F238E27FC236}">
+                <a16:creationId xmlns:a16="http://schemas.microsoft.com/office/drawing/2014/main" id="{43D41601-5AE4-4988-B22E-1065D33D181E}"/>
+              </a:ext>
+            </a:extLst>
+          </p:cNvPr>
+          <p:cNvSpPr txBox="1">
+            <a:spLocks/>
+          </p:cNvSpPr>
+          <p:nvPr/>
+        </p:nvSpPr>
+        <p:spPr>
+          <a:xfrm>
+            <a:off x="5820764" y="0"/>
+            <a:ext cx="3323236" cy="763525"/>
+          </a:xfrm>
+          <a:prstGeom prst="rect">
+            <a:avLst/>
+          </a:prstGeom>
+          <a:noFill/>
+        </p:spPr>
+        <p:txBody>
+          <a:bodyPr vert="horz" lIns="91440" tIns="45720" rIns="91440" bIns="45720" rtlCol="0" anchor="ctr">
+            <a:normAutofit/>
+          </a:bodyPr>
+          <a:lstStyle>
+            <a:lvl1pPr algn="l" defTabSz="914400" rtl="0" eaLnBrk="1" latinLnBrk="0" hangingPunct="1">
+              <a:spcBef>
+                <a:spcPct val="0"/>
+              </a:spcBef>
+              <a:buNone/>
+              <a:defRPr sz="3600" kern="1200">
+                <a:solidFill>
+                  <a:srgbClr val="FF2D96"/>
+                </a:solidFill>
+                <a:effectLst>
+                  <a:outerShdw blurRad="50800" dist="38100" dir="2700000" algn="tl" rotWithShape="0">
+                    <a:prstClr val="black">
+                      <a:alpha val="40000"/>
+                    </a:prstClr>
+                  </a:outerShdw>
+                </a:effectLst>
+                <a:latin typeface="+mj-lt"/>
+                <a:ea typeface="+mj-ea"/>
+                <a:cs typeface="+mj-cs"/>
+              </a:defRPr>
+            </a:lvl1pPr>
+          </a:lstStyle>
+          <a:p>
+            <a:pPr algn="r"/>
+            <a:r>
+              <a:rPr lang="vi-VN" sz="1800" b="1" dirty="0">
+                <a:solidFill>
+                  <a:schemeClr val="accent6">
+                    <a:lumMod val="75000"/>
+                  </a:schemeClr>
+                </a:solidFill>
+                <a:effectLst/>
+                <a:latin typeface="Arial" panose="020B0604020202020204" pitchFamily="34" charset="0"/>
+                <a:cs typeface="Arial" panose="020B0604020202020204" pitchFamily="34" charset="0"/>
+              </a:rPr>
+              <a:t>KHÓ KHĂN – THUẬN LỢI</a:t>
+            </a:r>
+            <a:endParaRPr lang="en-US" sz="1800" b="1" dirty="0">
+              <a:solidFill>
+                <a:schemeClr val="accent6">
+                  <a:lumMod val="75000"/>
+                </a:schemeClr>
+              </a:solidFill>
+              <a:effectLst/>
+              <a:latin typeface="Arial" panose="020B0604020202020204" pitchFamily="34" charset="0"/>
+              <a:cs typeface="Arial" panose="020B0604020202020204" pitchFamily="34" charset="0"/>
+            </a:endParaRPr>
+          </a:p>
+        </p:txBody>
+      </p:sp>
+      <p:sp>
+        <p:nvSpPr>
+          <p:cNvPr id="3" name="Content Placeholder 2">
+            <a:extLst>
+              <a:ext uri="{FF2B5EF4-FFF2-40B4-BE49-F238E27FC236}">
+                <a16:creationId xmlns:a16="http://schemas.microsoft.com/office/drawing/2014/main" id="{D301BFFB-E369-4AAC-BE00-B652C1CCAC05}"/>
+              </a:ext>
+            </a:extLst>
+          </p:cNvPr>
+          <p:cNvSpPr>
+            <a:spLocks noGrp="1"/>
+          </p:cNvSpPr>
+          <p:nvPr>
+            <p:ph idx="1"/>
+          </p:nvPr>
+        </p:nvSpPr>
+        <p:spPr>
+          <a:xfrm>
+            <a:off x="143554" y="891995"/>
+            <a:ext cx="6871725" cy="3970330"/>
+          </a:xfrm>
+        </p:spPr>
+        <p:txBody>
+          <a:bodyPr>
+            <a:noAutofit/>
+          </a:bodyPr>
+          <a:lstStyle/>
+          <a:p>
+            <a:pPr>
+              <a:buFont typeface="Wingdings" panose="05000000000000000000" pitchFamily="2" charset="2"/>
+              <a:buChar char="v"/>
+            </a:pPr>
+            <a:r>
+              <a:rPr lang="vi-VN" sz="1050" dirty="0"/>
+              <a:t>Khó khăn</a:t>
+            </a:r>
+          </a:p>
+          <a:p>
+            <a:pPr lvl="1">
+              <a:buFont typeface="Wingdings" panose="05000000000000000000" pitchFamily="2" charset="2"/>
+              <a:buChar char="Ø"/>
+            </a:pPr>
+            <a:r>
+              <a:rPr lang="vi-VN" sz="1050" dirty="0"/>
+              <a:t>Trong quá trình cùng nhau làm việc chúng em đã có nhiều trải nghiệm và mỗi người cũng tự rút cho chính mình ít nhiều bài học để tự hoàn thiện bản thân cũng như kỹ năng làm việc nhóm. Chúng em xin cảm ơn thầy Nguyễn Nghiệm đã thông cảm giúp đỡ chúng em hoàn thành đồ án này và được ra bảo vệ tốt nghiệp trước hội đồng nhà trường.</a:t>
+            </a:r>
+          </a:p>
+          <a:p>
+            <a:pPr lvl="1">
+              <a:buFont typeface="Wingdings" panose="05000000000000000000" pitchFamily="2" charset="2"/>
+              <a:buChar char="Ø"/>
+            </a:pPr>
+            <a:r>
+              <a:rPr lang="vi-VN" sz="1050" dirty="0"/>
+              <a:t>Bên cạnh công việc chính (phân tích thông tin yêu cầu, cấu trúc dữ liệu, suy nghĩ và viết mã lập trình cho các chức năng, sửa lỗi) thì chúng em cảm thấy mình vẫn còn nhiều điều hơn nữa để học và phát triển bản thân như tư duy giải quyết vấn đề, kỹ năng lên kế hoạch, kỹ năng tìm đọc các tài liệu tiếng anh, kỹ năng giao tiếp khi làm việc nhóm, kỹ năng thuyết trình</a:t>
+            </a:r>
+            <a:endParaRPr lang="en-US" sz="1050" dirty="0"/>
+          </a:p>
+          <a:p>
+            <a:pPr>
+              <a:buFont typeface="Wingdings" panose="05000000000000000000" pitchFamily="2" charset="2"/>
+              <a:buChar char="Ø"/>
+            </a:pPr>
+            <a:r>
+              <a:rPr lang="vi-VN" sz="1050" dirty="0"/>
+              <a:t>Kết quả đạt được:</a:t>
+            </a:r>
+          </a:p>
+          <a:p>
+            <a:pPr lvl="1">
+              <a:buFont typeface="Wingdings" panose="05000000000000000000" pitchFamily="2" charset="2"/>
+              <a:buChar char="Ø"/>
+            </a:pPr>
+            <a:r>
+              <a:rPr lang="vi-VN" sz="1050" dirty="0"/>
+              <a:t>- có khả năng phân tích và thiết kế database</a:t>
+            </a:r>
+          </a:p>
+          <a:p>
+            <a:pPr lvl="1">
+              <a:buFont typeface="Wingdings" panose="05000000000000000000" pitchFamily="2" charset="2"/>
+              <a:buChar char="Ø"/>
+            </a:pPr>
+            <a:r>
+              <a:rPr lang="vi-VN" sz="1050" dirty="0"/>
+              <a:t>- Cũng cố và trau dồi thêm về kiến thức lập trình ngôn ngữ Java</a:t>
+            </a:r>
+          </a:p>
+          <a:p>
+            <a:pPr lvl="1">
+              <a:buFont typeface="Wingdings" panose="05000000000000000000" pitchFamily="2" charset="2"/>
+              <a:buChar char="Ø"/>
+            </a:pPr>
+            <a:r>
+              <a:rPr lang="vi-VN" sz="1050" dirty="0"/>
+              <a:t>- Thiết kế chương trình có các chức năng cơ bản đáp ứng được yêu cầu sử dụng của người dung</a:t>
+            </a:r>
+          </a:p>
+          <a:p>
+            <a:pPr lvl="1">
+              <a:buFont typeface="Wingdings" panose="05000000000000000000" pitchFamily="2" charset="2"/>
+              <a:buChar char="Ø"/>
+            </a:pPr>
+            <a:r>
+              <a:rPr lang="vi-VN" sz="1050" dirty="0"/>
+              <a:t>- Ứng dụng được những kiến thức về nghiệp vụ, để có thể áp dụng vào những dự án thực tế</a:t>
+            </a:r>
+          </a:p>
+          <a:p>
+            <a:pPr lvl="1">
+              <a:buFont typeface="Wingdings" panose="05000000000000000000" pitchFamily="2" charset="2"/>
+              <a:buChar char="Ø"/>
+            </a:pPr>
+            <a:r>
+              <a:rPr lang="vi-VN" sz="1050" dirty="0"/>
+              <a:t>- Quản lý chặt chẽ, phân quyền người sử dụng hợp lý, hoàn thành phân tích thiết kế hệ thống</a:t>
+            </a:r>
+          </a:p>
+          <a:p>
+            <a:pPr>
+              <a:buFont typeface="Wingdings" panose="05000000000000000000" pitchFamily="2" charset="2"/>
+              <a:buChar char="Ø"/>
+            </a:pPr>
+            <a:r>
+              <a:rPr lang="vi-VN" sz="1050" dirty="0"/>
+              <a:t>Hạn chế:</a:t>
+            </a:r>
+          </a:p>
+          <a:p>
+            <a:pPr lvl="1">
+              <a:buFont typeface="Wingdings" panose="05000000000000000000" pitchFamily="2" charset="2"/>
+              <a:buChar char="Ø"/>
+            </a:pPr>
+            <a:r>
+              <a:rPr lang="vi-VN" sz="1050" dirty="0"/>
+              <a:t>- Dự án Website Đặt món ăn nhanh FoodStore là một ý tưởng đã có và được thực hiện nhiều trong thực tế nên tính cạnh tranh không cao</a:t>
+            </a:r>
+          </a:p>
+          <a:p>
+            <a:pPr lvl="1">
+              <a:buFont typeface="Wingdings" panose="05000000000000000000" pitchFamily="2" charset="2"/>
+              <a:buChar char="Ø"/>
+            </a:pPr>
+            <a:r>
+              <a:rPr lang="vi-VN" sz="1050" dirty="0"/>
+              <a:t>- Thiếu kinh nghiệm trong việc phát triển dự án thực tế nên gặp nhiều khó khan trong cách tổ chức dự án và quản lý thời gian thực hiện</a:t>
+            </a:r>
+          </a:p>
+          <a:p>
+            <a:pPr lvl="1">
+              <a:buFont typeface="Wingdings" panose="05000000000000000000" pitchFamily="2" charset="2"/>
+              <a:buChar char="Ø"/>
+            </a:pPr>
+            <a:r>
+              <a:rPr lang="vi-VN" sz="1050" dirty="0"/>
+              <a:t>- Chương trình có tính chuyên nghiệp chưa cao</a:t>
+            </a:r>
+          </a:p>
+        </p:txBody>
+      </p:sp>
+    </p:spTree>
+    <p:extLst>
+      <p:ext uri="{BB962C8B-B14F-4D97-AF65-F5344CB8AC3E}">
+        <p14:creationId xmlns:p14="http://schemas.microsoft.com/office/powerpoint/2010/main" val="1910956435"/>
+      </p:ext>
+    </p:extLst>
+  </p:cSld>
+  <p:clrMapOvr>
+    <a:masterClrMapping/>
+  </p:clrMapOvr>
+</p:sld>
+</file>
+
+<file path=ppt/slides/slide17.xml><?xml version="1.0" encoding="utf-8"?>
 <p:sld xmlns:a="http://schemas.openxmlformats.org/drawingml/2006/main" xmlns:r="http://schemas.openxmlformats.org/officeDocument/2006/relationships" xmlns:p="http://schemas.openxmlformats.org/presentationml/2006/main">
   <p:cSld>
     <p:spTree>
@@ -8833,914 +9844,6 @@
 </p:sld>
 </file>
 
-<file path=ppt/slides/slide13.xml><?xml version="1.0" encoding="utf-8"?>
-<p:sld xmlns:a="http://schemas.openxmlformats.org/drawingml/2006/main" xmlns:r="http://schemas.openxmlformats.org/officeDocument/2006/relationships" xmlns:p="http://schemas.openxmlformats.org/presentationml/2006/main">
-  <p:cSld>
-    <p:spTree>
-      <p:nvGrpSpPr>
-        <p:cNvPr id="1" name=""/>
-        <p:cNvGrpSpPr/>
-        <p:nvPr/>
-      </p:nvGrpSpPr>
-      <p:grpSpPr>
-        <a:xfrm>
-          <a:off x="0" y="0"/>
-          <a:ext cx="0" cy="0"/>
-          <a:chOff x="0" y="0"/>
-          <a:chExt cx="0" cy="0"/>
-        </a:xfrm>
-      </p:grpSpPr>
-      <p:pic>
-        <p:nvPicPr>
-          <p:cNvPr id="6" name="Picture 5">
-            <a:extLst>
-              <a:ext uri="{FF2B5EF4-FFF2-40B4-BE49-F238E27FC236}">
-                <a16:creationId xmlns:a16="http://schemas.microsoft.com/office/drawing/2014/main" id="{50D247B8-046E-41B9-A491-CE6EF44B85DA}"/>
-              </a:ext>
-            </a:extLst>
-          </p:cNvPr>
-          <p:cNvPicPr>
-            <a:picLocks noChangeAspect="1"/>
-          </p:cNvPicPr>
-          <p:nvPr/>
-        </p:nvPicPr>
-        <p:blipFill>
-          <a:blip r:embed="rId2" cstate="print">
-            <a:extLst>
-              <a:ext uri="{28A0092B-C50C-407E-A947-70E740481C1C}">
-                <a14:useLocalDpi xmlns:a14="http://schemas.microsoft.com/office/drawing/2010/main" val="0"/>
-              </a:ext>
-            </a:extLst>
-          </a:blip>
-          <a:stretch>
-            <a:fillRect/>
-          </a:stretch>
-        </p:blipFill>
-        <p:spPr>
-          <a:xfrm>
-            <a:off x="0" y="0"/>
-            <a:ext cx="2013575" cy="763525"/>
-          </a:xfrm>
-          <a:prstGeom prst="rect">
-            <a:avLst/>
-          </a:prstGeom>
-        </p:spPr>
-      </p:pic>
-      <p:sp>
-        <p:nvSpPr>
-          <p:cNvPr id="7" name="Title 1">
-            <a:extLst>
-              <a:ext uri="{FF2B5EF4-FFF2-40B4-BE49-F238E27FC236}">
-                <a16:creationId xmlns:a16="http://schemas.microsoft.com/office/drawing/2014/main" id="{43D41601-5AE4-4988-B22E-1065D33D181E}"/>
-              </a:ext>
-            </a:extLst>
-          </p:cNvPr>
-          <p:cNvSpPr txBox="1">
-            <a:spLocks/>
-          </p:cNvSpPr>
-          <p:nvPr/>
-        </p:nvSpPr>
-        <p:spPr>
-          <a:xfrm>
-            <a:off x="5820764" y="0"/>
-            <a:ext cx="3323236" cy="763525"/>
-          </a:xfrm>
-          <a:prstGeom prst="rect">
-            <a:avLst/>
-          </a:prstGeom>
-          <a:noFill/>
-        </p:spPr>
-        <p:txBody>
-          <a:bodyPr vert="horz" lIns="91440" tIns="45720" rIns="91440" bIns="45720" rtlCol="0" anchor="ctr">
-            <a:normAutofit/>
-          </a:bodyPr>
-          <a:lstStyle>
-            <a:lvl1pPr algn="l" defTabSz="914400" rtl="0" eaLnBrk="1" latinLnBrk="0" hangingPunct="1">
-              <a:spcBef>
-                <a:spcPct val="0"/>
-              </a:spcBef>
-              <a:buNone/>
-              <a:defRPr sz="3600" kern="1200">
-                <a:solidFill>
-                  <a:srgbClr val="FF2D96"/>
-                </a:solidFill>
-                <a:effectLst>
-                  <a:outerShdw blurRad="50800" dist="38100" dir="2700000" algn="tl" rotWithShape="0">
-                    <a:prstClr val="black">
-                      <a:alpha val="40000"/>
-                    </a:prstClr>
-                  </a:outerShdw>
-                </a:effectLst>
-                <a:latin typeface="+mj-lt"/>
-                <a:ea typeface="+mj-ea"/>
-                <a:cs typeface="+mj-cs"/>
-              </a:defRPr>
-            </a:lvl1pPr>
-          </a:lstStyle>
-          <a:p>
-            <a:pPr algn="r"/>
-            <a:r>
-              <a:rPr lang="vi-VN" sz="1800" b="1" dirty="0">
-                <a:solidFill>
-                  <a:schemeClr val="accent6">
-                    <a:lumMod val="75000"/>
-                  </a:schemeClr>
-                </a:solidFill>
-                <a:effectLst/>
-                <a:latin typeface="Arial" panose="020B0604020202020204" pitchFamily="34" charset="0"/>
-                <a:cs typeface="Arial" panose="020B0604020202020204" pitchFamily="34" charset="0"/>
-              </a:rPr>
-              <a:t>SƠ ĐỒ LỚP</a:t>
-            </a:r>
-            <a:endParaRPr lang="en-US" sz="1800" b="1" dirty="0">
-              <a:solidFill>
-                <a:schemeClr val="accent6">
-                  <a:lumMod val="75000"/>
-                </a:schemeClr>
-              </a:solidFill>
-              <a:effectLst/>
-              <a:latin typeface="Arial" panose="020B0604020202020204" pitchFamily="34" charset="0"/>
-              <a:cs typeface="Arial" panose="020B0604020202020204" pitchFamily="34" charset="0"/>
-            </a:endParaRPr>
-          </a:p>
-        </p:txBody>
-      </p:sp>
-      <p:pic>
-        <p:nvPicPr>
-          <p:cNvPr id="5" name="Picture 4" descr="Diagram, schematic&#10;&#10;Description automatically generated">
-            <a:extLst>
-              <a:ext uri="{FF2B5EF4-FFF2-40B4-BE49-F238E27FC236}">
-                <a16:creationId xmlns:a16="http://schemas.microsoft.com/office/drawing/2014/main" id="{9CAF1320-FF0F-4E07-87C9-72F966B3F8B1}"/>
-              </a:ext>
-            </a:extLst>
-          </p:cNvPr>
-          <p:cNvPicPr/>
-          <p:nvPr/>
-        </p:nvPicPr>
-        <p:blipFill>
-          <a:blip r:embed="rId3" cstate="print">
-            <a:extLst>
-              <a:ext uri="{28A0092B-C50C-407E-A947-70E740481C1C}">
-                <a14:useLocalDpi xmlns:a14="http://schemas.microsoft.com/office/drawing/2010/main" val="0"/>
-              </a:ext>
-            </a:extLst>
-          </a:blip>
-          <a:stretch>
-            <a:fillRect/>
-          </a:stretch>
-        </p:blipFill>
-        <p:spPr>
-          <a:xfrm>
-            <a:off x="1212490" y="763525"/>
-            <a:ext cx="5059828" cy="4251506"/>
-          </a:xfrm>
-          <a:prstGeom prst="rect">
-            <a:avLst/>
-          </a:prstGeom>
-        </p:spPr>
-      </p:pic>
-    </p:spTree>
-    <p:extLst>
-      <p:ext uri="{BB962C8B-B14F-4D97-AF65-F5344CB8AC3E}">
-        <p14:creationId xmlns:p14="http://schemas.microsoft.com/office/powerpoint/2010/main" val="3806362090"/>
-      </p:ext>
-    </p:extLst>
-  </p:cSld>
-  <p:clrMapOvr>
-    <a:masterClrMapping/>
-  </p:clrMapOvr>
-</p:sld>
-</file>
-
-<file path=ppt/slides/slide14.xml><?xml version="1.0" encoding="utf-8"?>
-<p:sld xmlns:a="http://schemas.openxmlformats.org/drawingml/2006/main" xmlns:r="http://schemas.openxmlformats.org/officeDocument/2006/relationships" xmlns:p="http://schemas.openxmlformats.org/presentationml/2006/main">
-  <p:cSld>
-    <p:spTree>
-      <p:nvGrpSpPr>
-        <p:cNvPr id="1" name=""/>
-        <p:cNvGrpSpPr/>
-        <p:nvPr/>
-      </p:nvGrpSpPr>
-      <p:grpSpPr>
-        <a:xfrm>
-          <a:off x="0" y="0"/>
-          <a:ext cx="0" cy="0"/>
-          <a:chOff x="0" y="0"/>
-          <a:chExt cx="0" cy="0"/>
-        </a:xfrm>
-      </p:grpSpPr>
-      <p:pic>
-        <p:nvPicPr>
-          <p:cNvPr id="6" name="Picture 5">
-            <a:extLst>
-              <a:ext uri="{FF2B5EF4-FFF2-40B4-BE49-F238E27FC236}">
-                <a16:creationId xmlns:a16="http://schemas.microsoft.com/office/drawing/2014/main" id="{50D247B8-046E-41B9-A491-CE6EF44B85DA}"/>
-              </a:ext>
-            </a:extLst>
-          </p:cNvPr>
-          <p:cNvPicPr>
-            <a:picLocks noChangeAspect="1"/>
-          </p:cNvPicPr>
-          <p:nvPr/>
-        </p:nvPicPr>
-        <p:blipFill>
-          <a:blip r:embed="rId2" cstate="print">
-            <a:extLst>
-              <a:ext uri="{28A0092B-C50C-407E-A947-70E740481C1C}">
-                <a14:useLocalDpi xmlns:a14="http://schemas.microsoft.com/office/drawing/2010/main" val="0"/>
-              </a:ext>
-            </a:extLst>
-          </a:blip>
-          <a:stretch>
-            <a:fillRect/>
-          </a:stretch>
-        </p:blipFill>
-        <p:spPr>
-          <a:xfrm>
-            <a:off x="0" y="0"/>
-            <a:ext cx="2013575" cy="763525"/>
-          </a:xfrm>
-          <a:prstGeom prst="rect">
-            <a:avLst/>
-          </a:prstGeom>
-        </p:spPr>
-      </p:pic>
-      <p:sp>
-        <p:nvSpPr>
-          <p:cNvPr id="7" name="Title 1">
-            <a:extLst>
-              <a:ext uri="{FF2B5EF4-FFF2-40B4-BE49-F238E27FC236}">
-                <a16:creationId xmlns:a16="http://schemas.microsoft.com/office/drawing/2014/main" id="{43D41601-5AE4-4988-B22E-1065D33D181E}"/>
-              </a:ext>
-            </a:extLst>
-          </p:cNvPr>
-          <p:cNvSpPr txBox="1">
-            <a:spLocks/>
-          </p:cNvSpPr>
-          <p:nvPr/>
-        </p:nvSpPr>
-        <p:spPr>
-          <a:xfrm>
-            <a:off x="5820764" y="0"/>
-            <a:ext cx="3323236" cy="763525"/>
-          </a:xfrm>
-          <a:prstGeom prst="rect">
-            <a:avLst/>
-          </a:prstGeom>
-          <a:noFill/>
-        </p:spPr>
-        <p:txBody>
-          <a:bodyPr vert="horz" lIns="91440" tIns="45720" rIns="91440" bIns="45720" rtlCol="0" anchor="ctr">
-            <a:normAutofit/>
-          </a:bodyPr>
-          <a:lstStyle>
-            <a:lvl1pPr algn="l" defTabSz="914400" rtl="0" eaLnBrk="1" latinLnBrk="0" hangingPunct="1">
-              <a:spcBef>
-                <a:spcPct val="0"/>
-              </a:spcBef>
-              <a:buNone/>
-              <a:defRPr sz="3600" kern="1200">
-                <a:solidFill>
-                  <a:srgbClr val="FF2D96"/>
-                </a:solidFill>
-                <a:effectLst>
-                  <a:outerShdw blurRad="50800" dist="38100" dir="2700000" algn="tl" rotWithShape="0">
-                    <a:prstClr val="black">
-                      <a:alpha val="40000"/>
-                    </a:prstClr>
-                  </a:outerShdw>
-                </a:effectLst>
-                <a:latin typeface="+mj-lt"/>
-                <a:ea typeface="+mj-ea"/>
-                <a:cs typeface="+mj-cs"/>
-              </a:defRPr>
-            </a:lvl1pPr>
-          </a:lstStyle>
-          <a:p>
-            <a:pPr algn="r"/>
-            <a:r>
-              <a:rPr lang="vi-VN" sz="1800" b="1" dirty="0">
-                <a:solidFill>
-                  <a:schemeClr val="accent6">
-                    <a:lumMod val="75000"/>
-                  </a:schemeClr>
-                </a:solidFill>
-                <a:effectLst/>
-                <a:latin typeface="Arial" panose="020B0604020202020204" pitchFamily="34" charset="0"/>
-                <a:cs typeface="Arial" panose="020B0604020202020204" pitchFamily="34" charset="0"/>
-              </a:rPr>
-              <a:t>SƠ ĐỒ CÔNG NGHỆ</a:t>
-            </a:r>
-            <a:endParaRPr lang="en-US" sz="1800" b="1" dirty="0">
-              <a:solidFill>
-                <a:schemeClr val="accent6">
-                  <a:lumMod val="75000"/>
-                </a:schemeClr>
-              </a:solidFill>
-              <a:effectLst/>
-              <a:latin typeface="Arial" panose="020B0604020202020204" pitchFamily="34" charset="0"/>
-              <a:cs typeface="Arial" panose="020B0604020202020204" pitchFamily="34" charset="0"/>
-            </a:endParaRPr>
-          </a:p>
-        </p:txBody>
-      </p:sp>
-      <p:pic>
-        <p:nvPicPr>
-          <p:cNvPr id="8" name="Picture 7" descr="Diagram&#10;&#10;Description automatically generated">
-            <a:extLst>
-              <a:ext uri="{FF2B5EF4-FFF2-40B4-BE49-F238E27FC236}">
-                <a16:creationId xmlns:a16="http://schemas.microsoft.com/office/drawing/2014/main" id="{210CA31B-FF3F-4C54-9260-DAF4E5C215A0}"/>
-              </a:ext>
-            </a:extLst>
-          </p:cNvPr>
-          <p:cNvPicPr/>
-          <p:nvPr/>
-        </p:nvPicPr>
-        <p:blipFill>
-          <a:blip r:embed="rId3"/>
-          <a:stretch>
-            <a:fillRect/>
-          </a:stretch>
-        </p:blipFill>
-        <p:spPr>
-          <a:xfrm>
-            <a:off x="296260" y="1655520"/>
-            <a:ext cx="6286500" cy="2046605"/>
-          </a:xfrm>
-          <a:prstGeom prst="rect">
-            <a:avLst/>
-          </a:prstGeom>
-        </p:spPr>
-      </p:pic>
-    </p:spTree>
-    <p:extLst>
-      <p:ext uri="{BB962C8B-B14F-4D97-AF65-F5344CB8AC3E}">
-        <p14:creationId xmlns:p14="http://schemas.microsoft.com/office/powerpoint/2010/main" val="2984561961"/>
-      </p:ext>
-    </p:extLst>
-  </p:cSld>
-  <p:clrMapOvr>
-    <a:masterClrMapping/>
-  </p:clrMapOvr>
-</p:sld>
-</file>
-
-<file path=ppt/slides/slide15.xml><?xml version="1.0" encoding="utf-8"?>
-<p:sld xmlns:a="http://schemas.openxmlformats.org/drawingml/2006/main" xmlns:r="http://schemas.openxmlformats.org/officeDocument/2006/relationships" xmlns:p="http://schemas.openxmlformats.org/presentationml/2006/main">
-  <p:cSld>
-    <p:spTree>
-      <p:nvGrpSpPr>
-        <p:cNvPr id="1" name=""/>
-        <p:cNvGrpSpPr/>
-        <p:nvPr/>
-      </p:nvGrpSpPr>
-      <p:grpSpPr>
-        <a:xfrm>
-          <a:off x="0" y="0"/>
-          <a:ext cx="0" cy="0"/>
-          <a:chOff x="0" y="0"/>
-          <a:chExt cx="0" cy="0"/>
-        </a:xfrm>
-      </p:grpSpPr>
-      <p:pic>
-        <p:nvPicPr>
-          <p:cNvPr id="6" name="Picture 5">
-            <a:extLst>
-              <a:ext uri="{FF2B5EF4-FFF2-40B4-BE49-F238E27FC236}">
-                <a16:creationId xmlns:a16="http://schemas.microsoft.com/office/drawing/2014/main" id="{50D247B8-046E-41B9-A491-CE6EF44B85DA}"/>
-              </a:ext>
-            </a:extLst>
-          </p:cNvPr>
-          <p:cNvPicPr>
-            <a:picLocks noChangeAspect="1"/>
-          </p:cNvPicPr>
-          <p:nvPr/>
-        </p:nvPicPr>
-        <p:blipFill>
-          <a:blip r:embed="rId2" cstate="print">
-            <a:extLst>
-              <a:ext uri="{28A0092B-C50C-407E-A947-70E740481C1C}">
-                <a14:useLocalDpi xmlns:a14="http://schemas.microsoft.com/office/drawing/2010/main" val="0"/>
-              </a:ext>
-            </a:extLst>
-          </a:blip>
-          <a:stretch>
-            <a:fillRect/>
-          </a:stretch>
-        </p:blipFill>
-        <p:spPr>
-          <a:xfrm>
-            <a:off x="0" y="0"/>
-            <a:ext cx="2013575" cy="763525"/>
-          </a:xfrm>
-          <a:prstGeom prst="rect">
-            <a:avLst/>
-          </a:prstGeom>
-        </p:spPr>
-      </p:pic>
-      <p:sp>
-        <p:nvSpPr>
-          <p:cNvPr id="7" name="Title 1">
-            <a:extLst>
-              <a:ext uri="{FF2B5EF4-FFF2-40B4-BE49-F238E27FC236}">
-                <a16:creationId xmlns:a16="http://schemas.microsoft.com/office/drawing/2014/main" id="{43D41601-5AE4-4988-B22E-1065D33D181E}"/>
-              </a:ext>
-            </a:extLst>
-          </p:cNvPr>
-          <p:cNvSpPr txBox="1">
-            <a:spLocks/>
-          </p:cNvSpPr>
-          <p:nvPr/>
-        </p:nvSpPr>
-        <p:spPr>
-          <a:xfrm>
-            <a:off x="5820764" y="0"/>
-            <a:ext cx="3323236" cy="763525"/>
-          </a:xfrm>
-          <a:prstGeom prst="rect">
-            <a:avLst/>
-          </a:prstGeom>
-          <a:noFill/>
-        </p:spPr>
-        <p:txBody>
-          <a:bodyPr vert="horz" lIns="91440" tIns="45720" rIns="91440" bIns="45720" rtlCol="0" anchor="ctr">
-            <a:normAutofit/>
-          </a:bodyPr>
-          <a:lstStyle>
-            <a:lvl1pPr algn="l" defTabSz="914400" rtl="0" eaLnBrk="1" latinLnBrk="0" hangingPunct="1">
-              <a:spcBef>
-                <a:spcPct val="0"/>
-              </a:spcBef>
-              <a:buNone/>
-              <a:defRPr sz="3600" kern="1200">
-                <a:solidFill>
-                  <a:srgbClr val="FF2D96"/>
-                </a:solidFill>
-                <a:effectLst>
-                  <a:outerShdw blurRad="50800" dist="38100" dir="2700000" algn="tl" rotWithShape="0">
-                    <a:prstClr val="black">
-                      <a:alpha val="40000"/>
-                    </a:prstClr>
-                  </a:outerShdw>
-                </a:effectLst>
-                <a:latin typeface="+mj-lt"/>
-                <a:ea typeface="+mj-ea"/>
-                <a:cs typeface="+mj-cs"/>
-              </a:defRPr>
-            </a:lvl1pPr>
-          </a:lstStyle>
-          <a:p>
-            <a:pPr algn="r"/>
-            <a:r>
-              <a:rPr lang="vi-VN" sz="1800" b="1" dirty="0">
-                <a:solidFill>
-                  <a:schemeClr val="accent6">
-                    <a:lumMod val="75000"/>
-                  </a:schemeClr>
-                </a:solidFill>
-                <a:effectLst/>
-                <a:latin typeface="Arial" panose="020B0604020202020204" pitchFamily="34" charset="0"/>
-                <a:cs typeface="Arial" panose="020B0604020202020204" pitchFamily="34" charset="0"/>
-              </a:rPr>
-              <a:t>SƠ ĐỒ TỔ CHỨC GIAO DIỆN</a:t>
-            </a:r>
-            <a:endParaRPr lang="en-US" sz="1800" b="1" dirty="0">
-              <a:solidFill>
-                <a:schemeClr val="accent6">
-                  <a:lumMod val="75000"/>
-                </a:schemeClr>
-              </a:solidFill>
-              <a:effectLst/>
-              <a:latin typeface="Arial" panose="020B0604020202020204" pitchFamily="34" charset="0"/>
-              <a:cs typeface="Arial" panose="020B0604020202020204" pitchFamily="34" charset="0"/>
-            </a:endParaRPr>
-          </a:p>
-        </p:txBody>
-      </p:sp>
-      <p:pic>
-        <p:nvPicPr>
-          <p:cNvPr id="5" name="Picture 4" descr="Diagram&#10;&#10;Description automatically generated">
-            <a:extLst>
-              <a:ext uri="{FF2B5EF4-FFF2-40B4-BE49-F238E27FC236}">
-                <a16:creationId xmlns:a16="http://schemas.microsoft.com/office/drawing/2014/main" id="{6B6A0ACA-CD73-4C04-96A4-2F02141976BD}"/>
-              </a:ext>
-            </a:extLst>
-          </p:cNvPr>
-          <p:cNvPicPr/>
-          <p:nvPr/>
-        </p:nvPicPr>
-        <p:blipFill>
-          <a:blip r:embed="rId3">
-            <a:extLst>
-              <a:ext uri="{28A0092B-C50C-407E-A947-70E740481C1C}">
-                <a14:useLocalDpi xmlns:a14="http://schemas.microsoft.com/office/drawing/2010/main" val="0"/>
-              </a:ext>
-            </a:extLst>
-          </a:blip>
-          <a:stretch>
-            <a:fillRect/>
-          </a:stretch>
-        </p:blipFill>
-        <p:spPr>
-          <a:xfrm>
-            <a:off x="1006787" y="891995"/>
-            <a:ext cx="5191970" cy="4108495"/>
-          </a:xfrm>
-          <a:prstGeom prst="rect">
-            <a:avLst/>
-          </a:prstGeom>
-        </p:spPr>
-      </p:pic>
-    </p:spTree>
-    <p:extLst>
-      <p:ext uri="{BB962C8B-B14F-4D97-AF65-F5344CB8AC3E}">
-        <p14:creationId xmlns:p14="http://schemas.microsoft.com/office/powerpoint/2010/main" val="3700173040"/>
-      </p:ext>
-    </p:extLst>
-  </p:cSld>
-  <p:clrMapOvr>
-    <a:masterClrMapping/>
-  </p:clrMapOvr>
-</p:sld>
-</file>
-
-<file path=ppt/slides/slide16.xml><?xml version="1.0" encoding="utf-8"?>
-<p:sld xmlns:a="http://schemas.openxmlformats.org/drawingml/2006/main" xmlns:r="http://schemas.openxmlformats.org/officeDocument/2006/relationships" xmlns:p="http://schemas.openxmlformats.org/presentationml/2006/main">
-  <p:cSld>
-    <p:spTree>
-      <p:nvGrpSpPr>
-        <p:cNvPr id="1" name=""/>
-        <p:cNvGrpSpPr/>
-        <p:nvPr/>
-      </p:nvGrpSpPr>
-      <p:grpSpPr>
-        <a:xfrm>
-          <a:off x="0" y="0"/>
-          <a:ext cx="0" cy="0"/>
-          <a:chOff x="0" y="0"/>
-          <a:chExt cx="0" cy="0"/>
-        </a:xfrm>
-      </p:grpSpPr>
-      <p:pic>
-        <p:nvPicPr>
-          <p:cNvPr id="6" name="Picture 5">
-            <a:extLst>
-              <a:ext uri="{FF2B5EF4-FFF2-40B4-BE49-F238E27FC236}">
-                <a16:creationId xmlns:a16="http://schemas.microsoft.com/office/drawing/2014/main" id="{50D247B8-046E-41B9-A491-CE6EF44B85DA}"/>
-              </a:ext>
-            </a:extLst>
-          </p:cNvPr>
-          <p:cNvPicPr>
-            <a:picLocks noChangeAspect="1"/>
-          </p:cNvPicPr>
-          <p:nvPr/>
-        </p:nvPicPr>
-        <p:blipFill>
-          <a:blip r:embed="rId2" cstate="print">
-            <a:extLst>
-              <a:ext uri="{28A0092B-C50C-407E-A947-70E740481C1C}">
-                <a14:useLocalDpi xmlns:a14="http://schemas.microsoft.com/office/drawing/2010/main" val="0"/>
-              </a:ext>
-            </a:extLst>
-          </a:blip>
-          <a:stretch>
-            <a:fillRect/>
-          </a:stretch>
-        </p:blipFill>
-        <p:spPr>
-          <a:xfrm>
-            <a:off x="0" y="0"/>
-            <a:ext cx="2013575" cy="763525"/>
-          </a:xfrm>
-          <a:prstGeom prst="rect">
-            <a:avLst/>
-          </a:prstGeom>
-        </p:spPr>
-      </p:pic>
-      <p:sp>
-        <p:nvSpPr>
-          <p:cNvPr id="7" name="Title 1">
-            <a:extLst>
-              <a:ext uri="{FF2B5EF4-FFF2-40B4-BE49-F238E27FC236}">
-                <a16:creationId xmlns:a16="http://schemas.microsoft.com/office/drawing/2014/main" id="{43D41601-5AE4-4988-B22E-1065D33D181E}"/>
-              </a:ext>
-            </a:extLst>
-          </p:cNvPr>
-          <p:cNvSpPr txBox="1">
-            <a:spLocks/>
-          </p:cNvSpPr>
-          <p:nvPr/>
-        </p:nvSpPr>
-        <p:spPr>
-          <a:xfrm>
-            <a:off x="5820764" y="0"/>
-            <a:ext cx="3323236" cy="763525"/>
-          </a:xfrm>
-          <a:prstGeom prst="rect">
-            <a:avLst/>
-          </a:prstGeom>
-          <a:noFill/>
-        </p:spPr>
-        <p:txBody>
-          <a:bodyPr vert="horz" lIns="91440" tIns="45720" rIns="91440" bIns="45720" rtlCol="0" anchor="ctr">
-            <a:normAutofit/>
-          </a:bodyPr>
-          <a:lstStyle>
-            <a:lvl1pPr algn="l" defTabSz="914400" rtl="0" eaLnBrk="1" latinLnBrk="0" hangingPunct="1">
-              <a:spcBef>
-                <a:spcPct val="0"/>
-              </a:spcBef>
-              <a:buNone/>
-              <a:defRPr sz="3600" kern="1200">
-                <a:solidFill>
-                  <a:srgbClr val="FF2D96"/>
-                </a:solidFill>
-                <a:effectLst>
-                  <a:outerShdw blurRad="50800" dist="38100" dir="2700000" algn="tl" rotWithShape="0">
-                    <a:prstClr val="black">
-                      <a:alpha val="40000"/>
-                    </a:prstClr>
-                  </a:outerShdw>
-                </a:effectLst>
-                <a:latin typeface="+mj-lt"/>
-                <a:ea typeface="+mj-ea"/>
-                <a:cs typeface="+mj-cs"/>
-              </a:defRPr>
-            </a:lvl1pPr>
-          </a:lstStyle>
-          <a:p>
-            <a:pPr algn="r"/>
-            <a:r>
-              <a:rPr lang="vi-VN" sz="1800" b="1" dirty="0">
-                <a:solidFill>
-                  <a:schemeClr val="accent6">
-                    <a:lumMod val="75000"/>
-                  </a:schemeClr>
-                </a:solidFill>
-                <a:effectLst/>
-                <a:latin typeface="Arial" panose="020B0604020202020204" pitchFamily="34" charset="0"/>
-                <a:cs typeface="Arial" panose="020B0604020202020204" pitchFamily="34" charset="0"/>
-              </a:rPr>
-              <a:t>PHÂN CÔNG DEMO</a:t>
-            </a:r>
-            <a:endParaRPr lang="en-US" sz="1800" b="1" dirty="0">
-              <a:solidFill>
-                <a:schemeClr val="accent6">
-                  <a:lumMod val="75000"/>
-                </a:schemeClr>
-              </a:solidFill>
-              <a:effectLst/>
-              <a:latin typeface="Arial" panose="020B0604020202020204" pitchFamily="34" charset="0"/>
-              <a:cs typeface="Arial" panose="020B0604020202020204" pitchFamily="34" charset="0"/>
-            </a:endParaRPr>
-          </a:p>
-        </p:txBody>
-      </p:sp>
-    </p:spTree>
-    <p:extLst>
-      <p:ext uri="{BB962C8B-B14F-4D97-AF65-F5344CB8AC3E}">
-        <p14:creationId xmlns:p14="http://schemas.microsoft.com/office/powerpoint/2010/main" val="1368856845"/>
-      </p:ext>
-    </p:extLst>
-  </p:cSld>
-  <p:clrMapOvr>
-    <a:masterClrMapping/>
-  </p:clrMapOvr>
-</p:sld>
-</file>
-
-<file path=ppt/slides/slide17.xml><?xml version="1.0" encoding="utf-8"?>
-<p:sld xmlns:a="http://schemas.openxmlformats.org/drawingml/2006/main" xmlns:r="http://schemas.openxmlformats.org/officeDocument/2006/relationships" xmlns:p="http://schemas.openxmlformats.org/presentationml/2006/main">
-  <p:cSld>
-    <p:spTree>
-      <p:nvGrpSpPr>
-        <p:cNvPr id="1" name=""/>
-        <p:cNvGrpSpPr/>
-        <p:nvPr/>
-      </p:nvGrpSpPr>
-      <p:grpSpPr>
-        <a:xfrm>
-          <a:off x="0" y="0"/>
-          <a:ext cx="0" cy="0"/>
-          <a:chOff x="0" y="0"/>
-          <a:chExt cx="0" cy="0"/>
-        </a:xfrm>
-      </p:grpSpPr>
-      <p:pic>
-        <p:nvPicPr>
-          <p:cNvPr id="6" name="Picture 5">
-            <a:extLst>
-              <a:ext uri="{FF2B5EF4-FFF2-40B4-BE49-F238E27FC236}">
-                <a16:creationId xmlns:a16="http://schemas.microsoft.com/office/drawing/2014/main" id="{50D247B8-046E-41B9-A491-CE6EF44B85DA}"/>
-              </a:ext>
-            </a:extLst>
-          </p:cNvPr>
-          <p:cNvPicPr>
-            <a:picLocks noChangeAspect="1"/>
-          </p:cNvPicPr>
-          <p:nvPr/>
-        </p:nvPicPr>
-        <p:blipFill>
-          <a:blip r:embed="rId2" cstate="print">
-            <a:extLst>
-              <a:ext uri="{28A0092B-C50C-407E-A947-70E740481C1C}">
-                <a14:useLocalDpi xmlns:a14="http://schemas.microsoft.com/office/drawing/2010/main" val="0"/>
-              </a:ext>
-            </a:extLst>
-          </a:blip>
-          <a:stretch>
-            <a:fillRect/>
-          </a:stretch>
-        </p:blipFill>
-        <p:spPr>
-          <a:xfrm>
-            <a:off x="0" y="0"/>
-            <a:ext cx="2013575" cy="763525"/>
-          </a:xfrm>
-          <a:prstGeom prst="rect">
-            <a:avLst/>
-          </a:prstGeom>
-        </p:spPr>
-      </p:pic>
-      <p:sp>
-        <p:nvSpPr>
-          <p:cNvPr id="7" name="Title 1">
-            <a:extLst>
-              <a:ext uri="{FF2B5EF4-FFF2-40B4-BE49-F238E27FC236}">
-                <a16:creationId xmlns:a16="http://schemas.microsoft.com/office/drawing/2014/main" id="{43D41601-5AE4-4988-B22E-1065D33D181E}"/>
-              </a:ext>
-            </a:extLst>
-          </p:cNvPr>
-          <p:cNvSpPr txBox="1">
-            <a:spLocks/>
-          </p:cNvSpPr>
-          <p:nvPr/>
-        </p:nvSpPr>
-        <p:spPr>
-          <a:xfrm>
-            <a:off x="5820764" y="0"/>
-            <a:ext cx="3323236" cy="763525"/>
-          </a:xfrm>
-          <a:prstGeom prst="rect">
-            <a:avLst/>
-          </a:prstGeom>
-          <a:noFill/>
-        </p:spPr>
-        <p:txBody>
-          <a:bodyPr vert="horz" lIns="91440" tIns="45720" rIns="91440" bIns="45720" rtlCol="0" anchor="ctr">
-            <a:normAutofit/>
-          </a:bodyPr>
-          <a:lstStyle>
-            <a:lvl1pPr algn="l" defTabSz="914400" rtl="0" eaLnBrk="1" latinLnBrk="0" hangingPunct="1">
-              <a:spcBef>
-                <a:spcPct val="0"/>
-              </a:spcBef>
-              <a:buNone/>
-              <a:defRPr sz="3600" kern="1200">
-                <a:solidFill>
-                  <a:srgbClr val="FF2D96"/>
-                </a:solidFill>
-                <a:effectLst>
-                  <a:outerShdw blurRad="50800" dist="38100" dir="2700000" algn="tl" rotWithShape="0">
-                    <a:prstClr val="black">
-                      <a:alpha val="40000"/>
-                    </a:prstClr>
-                  </a:outerShdw>
-                </a:effectLst>
-                <a:latin typeface="+mj-lt"/>
-                <a:ea typeface="+mj-ea"/>
-                <a:cs typeface="+mj-cs"/>
-              </a:defRPr>
-            </a:lvl1pPr>
-          </a:lstStyle>
-          <a:p>
-            <a:pPr algn="r"/>
-            <a:r>
-              <a:rPr lang="vi-VN" sz="1800" b="1" dirty="0">
-                <a:solidFill>
-                  <a:schemeClr val="accent6">
-                    <a:lumMod val="75000"/>
-                  </a:schemeClr>
-                </a:solidFill>
-                <a:effectLst/>
-                <a:latin typeface="Arial" panose="020B0604020202020204" pitchFamily="34" charset="0"/>
-                <a:cs typeface="Arial" panose="020B0604020202020204" pitchFamily="34" charset="0"/>
-              </a:rPr>
-              <a:t>KHÓ KHĂN – THUẬN LỢI</a:t>
-            </a:r>
-            <a:endParaRPr lang="en-US" sz="1800" b="1" dirty="0">
-              <a:solidFill>
-                <a:schemeClr val="accent6">
-                  <a:lumMod val="75000"/>
-                </a:schemeClr>
-              </a:solidFill>
-              <a:effectLst/>
-              <a:latin typeface="Arial" panose="020B0604020202020204" pitchFamily="34" charset="0"/>
-              <a:cs typeface="Arial" panose="020B0604020202020204" pitchFamily="34" charset="0"/>
-            </a:endParaRPr>
-          </a:p>
-        </p:txBody>
-      </p:sp>
-      <p:sp>
-        <p:nvSpPr>
-          <p:cNvPr id="3" name="Content Placeholder 2">
-            <a:extLst>
-              <a:ext uri="{FF2B5EF4-FFF2-40B4-BE49-F238E27FC236}">
-                <a16:creationId xmlns:a16="http://schemas.microsoft.com/office/drawing/2014/main" id="{D301BFFB-E369-4AAC-BE00-B652C1CCAC05}"/>
-              </a:ext>
-            </a:extLst>
-          </p:cNvPr>
-          <p:cNvSpPr>
-            <a:spLocks noGrp="1"/>
-          </p:cNvSpPr>
-          <p:nvPr>
-            <p:ph idx="1"/>
-          </p:nvPr>
-        </p:nvSpPr>
-        <p:spPr>
-          <a:xfrm>
-            <a:off x="143555" y="891995"/>
-            <a:ext cx="6413610" cy="3970330"/>
-          </a:xfrm>
-        </p:spPr>
-        <p:txBody>
-          <a:bodyPr>
-            <a:normAutofit/>
-          </a:bodyPr>
-          <a:lstStyle/>
-          <a:p>
-            <a:pPr>
-              <a:buFont typeface="Wingdings" panose="05000000000000000000" pitchFamily="2" charset="2"/>
-              <a:buChar char="v"/>
-            </a:pPr>
-            <a:r>
-              <a:rPr lang="vi-VN" sz="1600" dirty="0"/>
-              <a:t>Khó khăn</a:t>
-            </a:r>
-          </a:p>
-          <a:p>
-            <a:pPr lvl="1">
-              <a:buFont typeface="Wingdings" panose="05000000000000000000" pitchFamily="2" charset="2"/>
-              <a:buChar char="Ø"/>
-            </a:pPr>
-            <a:r>
-              <a:rPr lang="vi-VN" sz="1600" dirty="0"/>
-              <a:t>Các thành viên ít tương tác với nhau</a:t>
-            </a:r>
-          </a:p>
-          <a:p>
-            <a:pPr lvl="1">
-              <a:buFont typeface="Wingdings" panose="05000000000000000000" pitchFamily="2" charset="2"/>
-              <a:buChar char="Ø"/>
-            </a:pPr>
-            <a:r>
-              <a:rPr lang="vi-VN" sz="1600" dirty="0"/>
-              <a:t>Dealine chậm trễ</a:t>
-            </a:r>
-          </a:p>
-          <a:p>
-            <a:pPr>
-              <a:buFont typeface="Wingdings" panose="05000000000000000000" pitchFamily="2" charset="2"/>
-              <a:buChar char="v"/>
-            </a:pPr>
-            <a:r>
-              <a:rPr lang="vi-VN" sz="1600"/>
-              <a:t>Thuận lợi</a:t>
-            </a:r>
-          </a:p>
-          <a:p>
-            <a:pPr lvl="1">
-              <a:buFont typeface="Wingdings" panose="05000000000000000000" pitchFamily="2" charset="2"/>
-              <a:buChar char="Ø"/>
-            </a:pPr>
-            <a:endParaRPr lang="vi-VN" sz="1600" dirty="0"/>
-          </a:p>
-          <a:p>
-            <a:pPr>
-              <a:buFont typeface="Wingdings" panose="05000000000000000000" pitchFamily="2" charset="2"/>
-              <a:buChar char="v"/>
-            </a:pPr>
-            <a:r>
-              <a:rPr lang="vi-VN" sz="1600" dirty="0"/>
-              <a:t>Hướng tương lai</a:t>
-            </a:r>
-            <a:endParaRPr lang="en-US" sz="1600" dirty="0"/>
-          </a:p>
-        </p:txBody>
-      </p:sp>
-    </p:spTree>
-    <p:extLst>
-      <p:ext uri="{BB962C8B-B14F-4D97-AF65-F5344CB8AC3E}">
-        <p14:creationId xmlns:p14="http://schemas.microsoft.com/office/powerpoint/2010/main" val="1910956435"/>
-      </p:ext>
-    </p:extLst>
-  </p:cSld>
-  <p:clrMapOvr>
-    <a:masterClrMapping/>
-  </p:clrMapOvr>
-</p:sld>
-</file>
-
 <file path=ppt/slides/slide18.xml><?xml version="1.0" encoding="utf-8"?>
 <p:sld xmlns:a="http://schemas.openxmlformats.org/drawingml/2006/main" xmlns:r="http://schemas.openxmlformats.org/officeDocument/2006/relationships" xmlns:p="http://schemas.openxmlformats.org/presentationml/2006/main">
   <p:cSld>
@@ -9832,7 +9935,7 @@
             </a:pPr>
             <a:r>
               <a:rPr lang="vi-VN" sz="1800" dirty="0"/>
-              <a:t>Công việc 1</a:t>
+              <a:t>Phân tích yêu cầu và thiết kế hệ thống</a:t>
             </a:r>
           </a:p>
           <a:p>
@@ -9842,7 +9945,37 @@
             </a:pPr>
             <a:r>
               <a:rPr lang="vi-VN" sz="1800" dirty="0"/>
-              <a:t>Công việc 2</a:t>
+              <a:t>Xây dựng Database</a:t>
+            </a:r>
+          </a:p>
+          <a:p>
+            <a:pPr lvl="1">
+              <a:buFont typeface="Wingdings" panose="05000000000000000000" pitchFamily="2" charset="2"/>
+              <a:buChar char="§"/>
+            </a:pPr>
+            <a:r>
+              <a:rPr lang="vi-VN" sz="1800" dirty="0"/>
+              <a:t>Phát triển API</a:t>
+            </a:r>
+          </a:p>
+          <a:p>
+            <a:pPr lvl="1">
+              <a:buFont typeface="Wingdings" panose="05000000000000000000" pitchFamily="2" charset="2"/>
+              <a:buChar char="§"/>
+            </a:pPr>
+            <a:r>
+              <a:rPr lang="vi-VN" sz="1800" dirty="0"/>
+              <a:t>Lập trình mã nguồn</a:t>
+            </a:r>
+          </a:p>
+          <a:p>
+            <a:pPr lvl="1">
+              <a:buFont typeface="Wingdings" panose="05000000000000000000" pitchFamily="2" charset="2"/>
+              <a:buChar char="§"/>
+            </a:pPr>
+            <a:r>
+              <a:rPr lang="vi-VN" sz="1800" dirty="0"/>
+              <a:t>Fix bug</a:t>
             </a:r>
           </a:p>
         </p:txBody>
@@ -9964,62 +10097,38 @@
       </p:sp>
       <p:pic>
         <p:nvPicPr>
-          <p:cNvPr id="13" name="Picture 2">
+          <p:cNvPr id="3" name="Picture 2" descr="A person taking a selfie&#10;&#10;Description automatically generated">
             <a:extLst>
               <a:ext uri="{FF2B5EF4-FFF2-40B4-BE49-F238E27FC236}">
-                <a16:creationId xmlns:a16="http://schemas.microsoft.com/office/drawing/2014/main" id="{F7A71C59-769F-4A6A-84EA-54E083540DB1}"/>
+                <a16:creationId xmlns:a16="http://schemas.microsoft.com/office/drawing/2014/main" id="{799D3B76-0F45-76E3-22E8-7F519D45BF87}"/>
               </a:ext>
             </a:extLst>
           </p:cNvPr>
           <p:cNvPicPr>
-            <a:picLocks noChangeAspect="1" noChangeArrowheads="1"/>
+            <a:picLocks noChangeAspect="1"/>
           </p:cNvPicPr>
           <p:nvPr/>
         </p:nvPicPr>
         <p:blipFill>
-          <a:blip r:embed="rId3">
+          <a:blip r:embed="rId3" cstate="print">
             <a:extLst>
               <a:ext uri="{28A0092B-C50C-407E-A947-70E740481C1C}">
                 <a14:useLocalDpi xmlns:a14="http://schemas.microsoft.com/office/drawing/2010/main" val="0"/>
               </a:ext>
             </a:extLst>
           </a:blip>
-          <a:srcRect/>
           <a:stretch>
             <a:fillRect/>
           </a:stretch>
         </p:blipFill>
-        <p:spPr bwMode="auto">
+        <p:spPr>
           <a:xfrm>
-            <a:off x="5335525" y="1044700"/>
-            <a:ext cx="1527050" cy="1780240"/>
+            <a:off x="4877410" y="1281528"/>
+            <a:ext cx="2137870" cy="2850493"/>
           </a:xfrm>
           <a:prstGeom prst="rect">
             <a:avLst/>
           </a:prstGeom>
-          <a:noFill/>
-          <a:ln>
-            <a:noFill/>
-          </a:ln>
-          <a:extLst>
-            <a:ext uri="{909E8E84-426E-40DD-AFC4-6F175D3DCCD1}">
-              <a14:hiddenFill xmlns:a14="http://schemas.microsoft.com/office/drawing/2010/main">
-                <a:solidFill>
-                  <a:schemeClr val="accent1"/>
-                </a:solidFill>
-              </a14:hiddenFill>
-            </a:ext>
-            <a:ext uri="{91240B29-F687-4F45-9708-019B960494DF}">
-              <a14:hiddenLine xmlns:a14="http://schemas.microsoft.com/office/drawing/2010/main" w="9525">
-                <a:solidFill>
-                  <a:schemeClr val="tx1"/>
-                </a:solidFill>
-                <a:miter lim="800000"/>
-                <a:headEnd/>
-                <a:tailEnd/>
-              </a14:hiddenLine>
-            </a:ext>
-          </a:extLst>
         </p:spPr>
       </p:pic>
     </p:spTree>
@@ -10096,7 +10205,7 @@
             </a:pPr>
             <a:r>
               <a:rPr lang="vi-VN" sz="1800" dirty="0"/>
-              <a:t>Công việc 1</a:t>
+              <a:t>Lấy yêu cầu khách hàng</a:t>
             </a:r>
           </a:p>
           <a:p>
@@ -10106,7 +10215,27 @@
             </a:pPr>
             <a:r>
               <a:rPr lang="vi-VN" sz="1800" dirty="0"/>
-              <a:t>Công việc 2</a:t>
+              <a:t>Phân tích yêu cầu và lập quy trình</a:t>
+            </a:r>
+          </a:p>
+          <a:p>
+            <a:pPr lvl="1">
+              <a:buFont typeface="Wingdings" panose="05000000000000000000" pitchFamily="2" charset="2"/>
+              <a:buChar char="§"/>
+            </a:pPr>
+            <a:r>
+              <a:rPr lang="vi-VN" sz="1800" dirty="0"/>
+              <a:t>Lập trình Front-end giao diện client</a:t>
+            </a:r>
+          </a:p>
+          <a:p>
+            <a:pPr lvl="1">
+              <a:buFont typeface="Wingdings" panose="05000000000000000000" pitchFamily="2" charset="2"/>
+              <a:buChar char="§"/>
+            </a:pPr>
+            <a:r>
+              <a:rPr lang="vi-VN" sz="1800" dirty="0"/>
+              <a:t>Kiểm thử</a:t>
             </a:r>
           </a:p>
         </p:txBody>
@@ -10228,62 +10357,38 @@
       </p:sp>
       <p:pic>
         <p:nvPicPr>
-          <p:cNvPr id="8" name="Picture 2">
+          <p:cNvPr id="3" name="Picture 2" descr="A person wearing an orange shirt&#10;&#10;Description automatically generated with medium confidence">
             <a:extLst>
               <a:ext uri="{FF2B5EF4-FFF2-40B4-BE49-F238E27FC236}">
-                <a16:creationId xmlns:a16="http://schemas.microsoft.com/office/drawing/2014/main" id="{A2839739-3301-4EDF-AD06-5256B693594F}"/>
+                <a16:creationId xmlns:a16="http://schemas.microsoft.com/office/drawing/2014/main" id="{29634C4A-A100-A507-E688-21596B034DFF}"/>
               </a:ext>
             </a:extLst>
           </p:cNvPr>
           <p:cNvPicPr>
-            <a:picLocks noChangeAspect="1" noChangeArrowheads="1"/>
+            <a:picLocks noChangeAspect="1"/>
           </p:cNvPicPr>
           <p:nvPr/>
         </p:nvPicPr>
         <p:blipFill>
-          <a:blip r:embed="rId3">
+          <a:blip r:embed="rId3" cstate="print">
             <a:extLst>
               <a:ext uri="{28A0092B-C50C-407E-A947-70E740481C1C}">
                 <a14:useLocalDpi xmlns:a14="http://schemas.microsoft.com/office/drawing/2010/main" val="0"/>
               </a:ext>
             </a:extLst>
           </a:blip>
-          <a:srcRect/>
           <a:stretch>
             <a:fillRect/>
           </a:stretch>
         </p:blipFill>
-        <p:spPr bwMode="auto">
+        <p:spPr>
           <a:xfrm>
-            <a:off x="5335525" y="1044700"/>
-            <a:ext cx="1527050" cy="1780240"/>
+            <a:off x="4714705" y="1222501"/>
+            <a:ext cx="2042696" cy="2723594"/>
           </a:xfrm>
           <a:prstGeom prst="rect">
             <a:avLst/>
           </a:prstGeom>
-          <a:noFill/>
-          <a:ln>
-            <a:noFill/>
-          </a:ln>
-          <a:extLst>
-            <a:ext uri="{909E8E84-426E-40DD-AFC4-6F175D3DCCD1}">
-              <a14:hiddenFill xmlns:a14="http://schemas.microsoft.com/office/drawing/2010/main">
-                <a:solidFill>
-                  <a:schemeClr val="accent1"/>
-                </a:solidFill>
-              </a14:hiddenFill>
-            </a:ext>
-            <a:ext uri="{91240B29-F687-4F45-9708-019B960494DF}">
-              <a14:hiddenLine xmlns:a14="http://schemas.microsoft.com/office/drawing/2010/main" w="9525">
-                <a:solidFill>
-                  <a:schemeClr val="tx1"/>
-                </a:solidFill>
-                <a:miter lim="800000"/>
-                <a:headEnd/>
-                <a:tailEnd/>
-              </a14:hiddenLine>
-            </a:ext>
-          </a:extLst>
         </p:spPr>
       </p:pic>
     </p:spTree>
@@ -10360,7 +10465,7 @@
             </a:pPr>
             <a:r>
               <a:rPr lang="vi-VN" sz="1800" dirty="0"/>
-              <a:t>Công việc 1</a:t>
+              <a:t>Lấy yêu cầu khách hàng</a:t>
             </a:r>
           </a:p>
           <a:p>
@@ -10370,7 +10475,27 @@
             </a:pPr>
             <a:r>
               <a:rPr lang="vi-VN" sz="1800" dirty="0"/>
-              <a:t>Công việc 2</a:t>
+              <a:t>Phân tích yêu cầu và lập quy trình</a:t>
+            </a:r>
+          </a:p>
+          <a:p>
+            <a:pPr lvl="1">
+              <a:buFont typeface="Wingdings" panose="05000000000000000000" pitchFamily="2" charset="2"/>
+              <a:buChar char="§"/>
+            </a:pPr>
+            <a:r>
+              <a:rPr lang="vi-VN" sz="1800" dirty="0"/>
+              <a:t>Viết tài liệu dự án</a:t>
+            </a:r>
+          </a:p>
+          <a:p>
+            <a:pPr lvl="1">
+              <a:buFont typeface="Wingdings" panose="05000000000000000000" pitchFamily="2" charset="2"/>
+              <a:buChar char="§"/>
+            </a:pPr>
+            <a:r>
+              <a:rPr lang="vi-VN" sz="1800" dirty="0"/>
+              <a:t>Kiểm thử</a:t>
             </a:r>
           </a:p>
         </p:txBody>
@@ -10492,15 +10617,15 @@
       </p:sp>
       <p:pic>
         <p:nvPicPr>
-          <p:cNvPr id="9" name="Picture 2">
+          <p:cNvPr id="3" name="Picture 2" descr="A person with long hair&#10;&#10;Description automatically generated with low confidence">
             <a:extLst>
               <a:ext uri="{FF2B5EF4-FFF2-40B4-BE49-F238E27FC236}">
-                <a16:creationId xmlns:a16="http://schemas.microsoft.com/office/drawing/2014/main" id="{88E8790D-051B-465F-898C-FDE1A920010F}"/>
+                <a16:creationId xmlns:a16="http://schemas.microsoft.com/office/drawing/2014/main" id="{D0CA3BED-9E67-B1B2-BF01-02E68894DC97}"/>
               </a:ext>
             </a:extLst>
           </p:cNvPr>
           <p:cNvPicPr>
-            <a:picLocks noChangeAspect="1" noChangeArrowheads="1"/>
+            <a:picLocks noChangeAspect="1"/>
           </p:cNvPicPr>
           <p:nvPr/>
         </p:nvPicPr>
@@ -10512,42 +10637,18 @@
               </a:ext>
             </a:extLst>
           </a:blip>
-          <a:srcRect/>
           <a:stretch>
             <a:fillRect/>
           </a:stretch>
         </p:blipFill>
-        <p:spPr bwMode="auto">
+        <p:spPr>
           <a:xfrm>
-            <a:off x="5335525" y="1044700"/>
-            <a:ext cx="1527050" cy="1780240"/>
+            <a:off x="4266590" y="1174583"/>
+            <a:ext cx="2038069" cy="2794333"/>
           </a:xfrm>
           <a:prstGeom prst="rect">
             <a:avLst/>
           </a:prstGeom>
-          <a:noFill/>
-          <a:ln>
-            <a:noFill/>
-          </a:ln>
-          <a:extLst>
-            <a:ext uri="{909E8E84-426E-40DD-AFC4-6F175D3DCCD1}">
-              <a14:hiddenFill xmlns:a14="http://schemas.microsoft.com/office/drawing/2010/main">
-                <a:solidFill>
-                  <a:schemeClr val="accent1"/>
-                </a:solidFill>
-              </a14:hiddenFill>
-            </a:ext>
-            <a:ext uri="{91240B29-F687-4F45-9708-019B960494DF}">
-              <a14:hiddenLine xmlns:a14="http://schemas.microsoft.com/office/drawing/2010/main" w="9525">
-                <a:solidFill>
-                  <a:schemeClr val="tx1"/>
-                </a:solidFill>
-                <a:miter lim="800000"/>
-                <a:headEnd/>
-                <a:tailEnd/>
-              </a14:hiddenLine>
-            </a:ext>
-          </a:extLst>
         </p:spPr>
       </p:pic>
     </p:spTree>
@@ -12446,33 +12547,6 @@
           <a:chExt cx="0" cy="0"/>
         </a:xfrm>
       </p:grpSpPr>
-      <p:sp>
-        <p:nvSpPr>
-          <p:cNvPr id="5" name="Content Placeholder 4"/>
-          <p:cNvSpPr>
-            <a:spLocks noGrp="1"/>
-          </p:cNvSpPr>
-          <p:nvPr>
-            <p:ph idx="1"/>
-          </p:nvPr>
-        </p:nvSpPr>
-        <p:spPr>
-          <a:xfrm>
-            <a:off x="0" y="1197405"/>
-            <a:ext cx="7015280" cy="3511061"/>
-          </a:xfrm>
-        </p:spPr>
-        <p:txBody>
-          <a:bodyPr/>
-          <a:lstStyle/>
-          <a:p>
-            <a:pPr marL="0" indent="0">
-              <a:buNone/>
-            </a:pPr>
-            <a:endParaRPr lang="vi-VN" sz="1800" dirty="0"/>
-          </a:p>
-        </p:txBody>
-      </p:sp>
       <p:pic>
         <p:nvPicPr>
           <p:cNvPr id="6" name="Picture 5">
